--- a/05_window_surface.pptx
+++ b/05_window_surface.pptx
@@ -18,8 +18,6 @@
     <p:sldId id="266" r:id="rId13"/>
     <p:sldId id="267" r:id="rId14"/>
     <p:sldId id="268" r:id="rId15"/>
-    <p:sldId id="269" r:id="rId16"/>
-    <p:sldId id="270" r:id="rId17"/>
   </p:sldIdLst>
   <p:sldSz cx="9144000" cy="6858000"/>
   <p:notesSz cx="7772400" cy="10058400"/>
@@ -77,7 +75,7 @@
         <p:txBody>
           <a:bodyPr/>
           <a:p>
-            <a:fld id="{BDF9F2BE-AE0B-4D1F-BF6E-562B91F3AAEC}" type="slidenum">
+            <a:fld id="{4DC8245E-6A77-460B-BFCF-0DCFBAAB2B05}" type="slidenum">
               <a:t>&lt;#&gt;</a:t>
             </a:fld>
           </a:p>
@@ -265,7 +263,7 @@
         <p:txBody>
           <a:bodyPr/>
           <a:p>
-            <a:fld id="{5D091033-FD15-44BF-8743-3584B416A2CA}" type="slidenum">
+            <a:fld id="{C3D54F36-7789-4E82-AFBA-2BB356847D14}" type="slidenum">
               <a:t>&lt;#&gt;</a:t>
             </a:fld>
           </a:p>
@@ -521,7 +519,7 @@
         <p:txBody>
           <a:bodyPr/>
           <a:p>
-            <a:fld id="{D3AB68B3-DCD6-42CC-AC7E-393AB02C1D5E}" type="slidenum">
+            <a:fld id="{2FC0359C-3D73-4A6D-A0C1-7FBB8DAF469A}" type="slidenum">
               <a:t>&lt;#&gt;</a:t>
             </a:fld>
           </a:p>
@@ -845,7 +843,7 @@
         <p:txBody>
           <a:bodyPr/>
           <a:p>
-            <a:fld id="{46E1ACA6-BAB7-4E9F-8793-0C5E01FE7BAA}" type="slidenum">
+            <a:fld id="{54A697AD-C907-4DC9-A33C-6F2F48A7633D}" type="slidenum">
               <a:t>&lt;#&gt;</a:t>
             </a:fld>
           </a:p>
@@ -1002,7 +1000,7 @@
         <p:txBody>
           <a:bodyPr/>
           <a:p>
-            <a:fld id="{92A5C67C-BC4D-4715-BFDA-7C0A6E8A1003}" type="slidenum">
+            <a:fld id="{43D9C4C6-53C3-4006-A3A2-060C0492DFAC}" type="slidenum">
               <a:t>&lt;#&gt;</a:t>
             </a:fld>
           </a:p>
@@ -1156,7 +1154,7 @@
         <p:txBody>
           <a:bodyPr/>
           <a:p>
-            <a:fld id="{D2C3E6AE-63A7-451D-AF4F-55B9C18E0DF9}" type="slidenum">
+            <a:fld id="{5E1E8D11-7CC9-4B95-A6F2-A24A472C19EC}" type="slidenum">
               <a:t>&lt;#&gt;</a:t>
             </a:fld>
           </a:p>
@@ -1344,7 +1342,7 @@
         <p:txBody>
           <a:bodyPr/>
           <a:p>
-            <a:fld id="{C692B153-8DA1-4FF3-836C-CBA48A4C21F5}" type="slidenum">
+            <a:fld id="{ED6EB814-7AAA-4CD3-A562-1B95641DDE4C}" type="slidenum">
               <a:t>&lt;#&gt;</a:t>
             </a:fld>
           </a:p>
@@ -1464,7 +1462,7 @@
         <p:txBody>
           <a:bodyPr/>
           <a:p>
-            <a:fld id="{3889B0EA-757E-4DB6-ABDB-18F6C63E6BC2}" type="slidenum">
+            <a:fld id="{5457A370-C981-4603-ABF3-37AAE57D1443}" type="slidenum">
               <a:t>&lt;#&gt;</a:t>
             </a:fld>
           </a:p>
@@ -1584,7 +1582,7 @@
         <p:txBody>
           <a:bodyPr/>
           <a:p>
-            <a:fld id="{E08C2172-8170-43FA-9C45-9B16F24BD1AA}" type="slidenum">
+            <a:fld id="{8C7F4D49-82EF-4F48-A9E5-2C60E54528A7}" type="slidenum">
               <a:t>&lt;#&gt;</a:t>
             </a:fld>
           </a:p>
@@ -1806,7 +1804,7 @@
         <p:txBody>
           <a:bodyPr/>
           <a:p>
-            <a:fld id="{027C4EB5-ECA0-4902-AD0B-8427A182BF66}" type="slidenum">
+            <a:fld id="{A9D6AB71-963F-41C5-8AE7-28CB993E15D7}" type="slidenum">
               <a:t>&lt;#&gt;</a:t>
             </a:fld>
           </a:p>
@@ -2028,7 +2026,7 @@
         <p:txBody>
           <a:bodyPr/>
           <a:p>
-            <a:fld id="{726F3E22-E75D-4942-A913-FA1AEDF97E4C}" type="slidenum">
+            <a:fld id="{BC9ADBDA-430F-40F2-AC60-FE60051109D8}" type="slidenum">
               <a:t>&lt;#&gt;</a:t>
             </a:fld>
           </a:p>
@@ -2250,7 +2248,7 @@
         <p:txBody>
           <a:bodyPr/>
           <a:p>
-            <a:fld id="{AEE0C615-E514-40EA-965F-A6450A9A076E}" type="slidenum">
+            <a:fld id="{709B3847-9367-4224-A70D-726179529C4D}" type="slidenum">
               <a:t>&lt;#&gt;</a:t>
             </a:fld>
           </a:p>
@@ -2319,7 +2317,7 @@
         <p:spPr>
           <a:xfrm>
             <a:off x="3124080" y="6356520"/>
-            <a:ext cx="2890440" cy="360000"/>
+            <a:ext cx="2889720" cy="359280"/>
           </a:xfrm>
           <a:prstGeom prst="rect">
             <a:avLst/>
@@ -2376,7 +2374,7 @@
         <p:spPr>
           <a:xfrm>
             <a:off x="6553080" y="6356520"/>
-            <a:ext cx="2128680" cy="360000"/>
+            <a:ext cx="2127960" cy="359280"/>
           </a:xfrm>
           <a:prstGeom prst="rect">
             <a:avLst/>
@@ -2411,7 +2409,7 @@
               </a:lnSpc>
               <a:buNone/>
             </a:pPr>
-            <a:fld id="{C8524A45-CAEF-4582-9121-7FFA6B458CB7}" type="slidenum">
+            <a:fld id="{0027286C-A606-4145-BB7C-CDB3C9429F16}" type="slidenum">
               <a:rPr b="0" lang="en-US" sz="1200" spc="-1" strike="noStrike">
                 <a:solidFill>
                   <a:srgbClr val="8b8b8b"/>
@@ -2439,7 +2437,7 @@
         <p:spPr>
           <a:xfrm>
             <a:off x="457200" y="6356520"/>
-            <a:ext cx="2128680" cy="360000"/>
+            <a:ext cx="2127960" cy="359280"/>
           </a:xfrm>
           <a:prstGeom prst="rect">
             <a:avLst/>
@@ -2508,211 +2506,7 @@
               <a:rPr b="0" lang="en-US" sz="4400" spc="-1" strike="noStrike">
                 <a:latin typeface="Arial"/>
               </a:rPr>
-              <a:t>C</a:t>
-            </a:r>
-            <a:r>
-              <a:rPr b="0" lang="en-US" sz="4400" spc="-1" strike="noStrike">
-                <a:latin typeface="Arial"/>
-              </a:rPr>
-              <a:t>l</a:t>
-            </a:r>
-            <a:r>
-              <a:rPr b="0" lang="en-US" sz="4400" spc="-1" strike="noStrike">
-                <a:latin typeface="Arial"/>
-              </a:rPr>
-              <a:t>i</a:t>
-            </a:r>
-            <a:r>
-              <a:rPr b="0" lang="en-US" sz="4400" spc="-1" strike="noStrike">
-                <a:latin typeface="Arial"/>
-              </a:rPr>
-              <a:t>c</a:t>
-            </a:r>
-            <a:r>
-              <a:rPr b="0" lang="en-US" sz="4400" spc="-1" strike="noStrike">
-                <a:latin typeface="Arial"/>
-              </a:rPr>
-              <a:t>k</a:t>
-            </a:r>
-            <a:r>
-              <a:rPr b="0" lang="en-US" sz="4400" spc="-1" strike="noStrike">
-                <a:latin typeface="Arial"/>
-              </a:rPr>
-              <a:t> </a:t>
-            </a:r>
-            <a:r>
-              <a:rPr b="0" lang="en-US" sz="4400" spc="-1" strike="noStrike">
-                <a:latin typeface="Arial"/>
-              </a:rPr>
-              <a:t>t</a:t>
-            </a:r>
-            <a:r>
-              <a:rPr b="0" lang="en-US" sz="4400" spc="-1" strike="noStrike">
-                <a:latin typeface="Arial"/>
-              </a:rPr>
-              <a:t>o</a:t>
-            </a:r>
-            <a:r>
-              <a:rPr b="0" lang="en-US" sz="4400" spc="-1" strike="noStrike">
-                <a:latin typeface="Arial"/>
-              </a:rPr>
-              <a:t> </a:t>
-            </a:r>
-            <a:r>
-              <a:rPr b="0" lang="en-US" sz="4400" spc="-1" strike="noStrike">
-                <a:latin typeface="Arial"/>
-              </a:rPr>
-              <a:t>e</a:t>
-            </a:r>
-            <a:r>
-              <a:rPr b="0" lang="en-US" sz="4400" spc="-1" strike="noStrike">
-                <a:latin typeface="Arial"/>
-              </a:rPr>
-              <a:t>d</a:t>
-            </a:r>
-            <a:r>
-              <a:rPr b="0" lang="en-US" sz="4400" spc="-1" strike="noStrike">
-                <a:latin typeface="Arial"/>
-              </a:rPr>
-              <a:t>i</a:t>
-            </a:r>
-            <a:r>
-              <a:rPr b="0" lang="en-US" sz="4400" spc="-1" strike="noStrike">
-                <a:latin typeface="Arial"/>
-              </a:rPr>
-              <a:t>t</a:t>
-            </a:r>
-            <a:r>
-              <a:rPr b="0" lang="en-US" sz="4400" spc="-1" strike="noStrike">
-                <a:latin typeface="Arial"/>
-              </a:rPr>
-              <a:t> </a:t>
-            </a:r>
-            <a:r>
-              <a:rPr b="0" lang="en-US" sz="4400" spc="-1" strike="noStrike">
-                <a:latin typeface="Arial"/>
-              </a:rPr>
-              <a:t>t</a:t>
-            </a:r>
-            <a:r>
-              <a:rPr b="0" lang="en-US" sz="4400" spc="-1" strike="noStrike">
-                <a:latin typeface="Arial"/>
-              </a:rPr>
-              <a:t>h</a:t>
-            </a:r>
-            <a:r>
-              <a:rPr b="0" lang="en-US" sz="4400" spc="-1" strike="noStrike">
-                <a:latin typeface="Arial"/>
-              </a:rPr>
-              <a:t>e</a:t>
-            </a:r>
-            <a:r>
-              <a:rPr b="0" lang="en-US" sz="4400" spc="-1" strike="noStrike">
-                <a:latin typeface="Arial"/>
-              </a:rPr>
-              <a:t> </a:t>
-            </a:r>
-            <a:r>
-              <a:rPr b="0" lang="en-US" sz="4400" spc="-1" strike="noStrike">
-                <a:latin typeface="Arial"/>
-              </a:rPr>
-              <a:t>t</a:t>
-            </a:r>
-            <a:r>
-              <a:rPr b="0" lang="en-US" sz="4400" spc="-1" strike="noStrike">
-                <a:latin typeface="Arial"/>
-              </a:rPr>
-              <a:t>i</a:t>
-            </a:r>
-            <a:r>
-              <a:rPr b="0" lang="en-US" sz="4400" spc="-1" strike="noStrike">
-                <a:latin typeface="Arial"/>
-              </a:rPr>
-              <a:t>t</a:t>
-            </a:r>
-            <a:r>
-              <a:rPr b="0" lang="en-US" sz="4400" spc="-1" strike="noStrike">
-                <a:latin typeface="Arial"/>
-              </a:rPr>
-              <a:t>l</a:t>
-            </a:r>
-            <a:r>
-              <a:rPr b="0" lang="en-US" sz="4400" spc="-1" strike="noStrike">
-                <a:latin typeface="Arial"/>
-              </a:rPr>
-              <a:t>e</a:t>
-            </a:r>
-            <a:r>
-              <a:rPr b="0" lang="en-US" sz="4400" spc="-1" strike="noStrike">
-                <a:latin typeface="Arial"/>
-              </a:rPr>
-              <a:t> </a:t>
-            </a:r>
-            <a:r>
-              <a:rPr b="0" lang="en-US" sz="4400" spc="-1" strike="noStrike">
-                <a:latin typeface="Arial"/>
-              </a:rPr>
-              <a:t>t</a:t>
-            </a:r>
-            <a:r>
-              <a:rPr b="0" lang="en-US" sz="4400" spc="-1" strike="noStrike">
-                <a:latin typeface="Arial"/>
-              </a:rPr>
-              <a:t>e</a:t>
-            </a:r>
-            <a:r>
-              <a:rPr b="0" lang="en-US" sz="4400" spc="-1" strike="noStrike">
-                <a:latin typeface="Arial"/>
-              </a:rPr>
-              <a:t>x</a:t>
-            </a:r>
-            <a:r>
-              <a:rPr b="0" lang="en-US" sz="4400" spc="-1" strike="noStrike">
-                <a:latin typeface="Arial"/>
-              </a:rPr>
-              <a:t>t</a:t>
-            </a:r>
-            <a:r>
-              <a:rPr b="0" lang="en-US" sz="4400" spc="-1" strike="noStrike">
-                <a:latin typeface="Arial"/>
-              </a:rPr>
-              <a:t> </a:t>
-            </a:r>
-            <a:r>
-              <a:rPr b="0" lang="en-US" sz="4400" spc="-1" strike="noStrike">
-                <a:latin typeface="Arial"/>
-              </a:rPr>
-              <a:t>f</a:t>
-            </a:r>
-            <a:r>
-              <a:rPr b="0" lang="en-US" sz="4400" spc="-1" strike="noStrike">
-                <a:latin typeface="Arial"/>
-              </a:rPr>
-              <a:t>o</a:t>
-            </a:r>
-            <a:r>
-              <a:rPr b="0" lang="en-US" sz="4400" spc="-1" strike="noStrike">
-                <a:latin typeface="Arial"/>
-              </a:rPr>
-              <a:t>r</a:t>
-            </a:r>
-            <a:r>
-              <a:rPr b="0" lang="en-US" sz="4400" spc="-1" strike="noStrike">
-                <a:latin typeface="Arial"/>
-              </a:rPr>
-              <a:t>m</a:t>
-            </a:r>
-            <a:r>
-              <a:rPr b="0" lang="en-US" sz="4400" spc="-1" strike="noStrike">
-                <a:latin typeface="Arial"/>
-              </a:rPr>
-              <a:t>a</a:t>
-            </a:r>
-            <a:r>
-              <a:rPr b="0" lang="en-US" sz="4400" spc="-1" strike="noStrike">
-                <a:latin typeface="Arial"/>
-              </a:rPr>
-              <a:t>t</a:t>
+              <a:t>Click to edit the title text format</a:t>
             </a:r>
             <a:endParaRPr b="0" lang="en-US" sz="4400" spc="-1" strike="noStrike">
               <a:latin typeface="Arial"/>
@@ -2953,7 +2747,7 @@
         <p:spPr>
           <a:xfrm>
             <a:off x="0" y="2130480"/>
-            <a:ext cx="9138960" cy="1464840"/>
+            <a:ext cx="9138240" cy="1464120"/>
           </a:xfrm>
           <a:prstGeom prst="rect">
             <a:avLst/>
@@ -2983,7 +2777,160 @@
                 </a:solidFill>
                 <a:latin typeface="Calibri"/>
               </a:rPr>
-              <a:t>004 Logical Device and Queue</a:t>
+              <a:t>0</a:t>
+            </a:r>
+            <a:r>
+              <a:rPr b="1" lang="en-US" sz="4000" spc="-1" strike="noStrike">
+                <a:solidFill>
+                  <a:srgbClr val="ffff00"/>
+                </a:solidFill>
+                <a:latin typeface="Calibri"/>
+              </a:rPr>
+              <a:t>0</a:t>
+            </a:r>
+            <a:r>
+              <a:rPr b="1" lang="en-US" sz="4000" spc="-1" strike="noStrike">
+                <a:solidFill>
+                  <a:srgbClr val="ffff00"/>
+                </a:solidFill>
+                <a:latin typeface="Calibri"/>
+              </a:rPr>
+              <a:t>5</a:t>
+            </a:r>
+            <a:r>
+              <a:rPr b="1" lang="en-US" sz="4000" spc="-1" strike="noStrike">
+                <a:solidFill>
+                  <a:srgbClr val="ffff00"/>
+                </a:solidFill>
+                <a:latin typeface="Calibri"/>
+              </a:rPr>
+              <a:t> </a:t>
+            </a:r>
+            <a:r>
+              <a:rPr b="1" lang="en-US" sz="4000" spc="-1" strike="noStrike">
+                <a:solidFill>
+                  <a:srgbClr val="ffff00"/>
+                </a:solidFill>
+                <a:latin typeface="Calibri"/>
+              </a:rPr>
+              <a:t>W</a:t>
+            </a:r>
+            <a:r>
+              <a:rPr b="1" lang="en-US" sz="4000" spc="-1" strike="noStrike">
+                <a:solidFill>
+                  <a:srgbClr val="ffff00"/>
+                </a:solidFill>
+                <a:latin typeface="Calibri"/>
+              </a:rPr>
+              <a:t>i</a:t>
+            </a:r>
+            <a:r>
+              <a:rPr b="1" lang="en-US" sz="4000" spc="-1" strike="noStrike">
+                <a:solidFill>
+                  <a:srgbClr val="ffff00"/>
+                </a:solidFill>
+                <a:latin typeface="Calibri"/>
+              </a:rPr>
+              <a:t>n</a:t>
+            </a:r>
+            <a:r>
+              <a:rPr b="1" lang="en-US" sz="4000" spc="-1" strike="noStrike">
+                <a:solidFill>
+                  <a:srgbClr val="ffff00"/>
+                </a:solidFill>
+                <a:latin typeface="Calibri"/>
+              </a:rPr>
+              <a:t>d</a:t>
+            </a:r>
+            <a:r>
+              <a:rPr b="1" lang="en-US" sz="4000" spc="-1" strike="noStrike">
+                <a:solidFill>
+                  <a:srgbClr val="ffff00"/>
+                </a:solidFill>
+                <a:latin typeface="Calibri"/>
+              </a:rPr>
+              <a:t>o</a:t>
+            </a:r>
+            <a:r>
+              <a:rPr b="1" lang="en-US" sz="4000" spc="-1" strike="noStrike">
+                <a:solidFill>
+                  <a:srgbClr val="ffff00"/>
+                </a:solidFill>
+                <a:latin typeface="Calibri"/>
+              </a:rPr>
+              <a:t>w</a:t>
+            </a:r>
+            <a:r>
+              <a:rPr b="1" lang="en-US" sz="4000" spc="-1" strike="noStrike">
+                <a:solidFill>
+                  <a:srgbClr val="ffff00"/>
+                </a:solidFill>
+                <a:latin typeface="Calibri"/>
+              </a:rPr>
+              <a:t> </a:t>
+            </a:r>
+            <a:r>
+              <a:rPr b="1" lang="en-US" sz="4000" spc="-1" strike="noStrike">
+                <a:solidFill>
+                  <a:srgbClr val="ffff00"/>
+                </a:solidFill>
+                <a:latin typeface="Calibri"/>
+              </a:rPr>
+              <a:t>S</a:t>
+            </a:r>
+            <a:r>
+              <a:rPr b="1" lang="en-US" sz="4000" spc="-1" strike="noStrike">
+                <a:solidFill>
+                  <a:srgbClr val="ffff00"/>
+                </a:solidFill>
+                <a:latin typeface="Calibri"/>
+              </a:rPr>
+              <a:t>u</a:t>
+            </a:r>
+            <a:r>
+              <a:rPr b="1" lang="en-US" sz="4000" spc="-1" strike="noStrike">
+                <a:solidFill>
+                  <a:srgbClr val="ffff00"/>
+                </a:solidFill>
+                <a:latin typeface="Calibri"/>
+              </a:rPr>
+              <a:t>r</a:t>
+            </a:r>
+            <a:r>
+              <a:rPr b="1" lang="en-US" sz="4000" spc="-1" strike="noStrike">
+                <a:solidFill>
+                  <a:srgbClr val="ffff00"/>
+                </a:solidFill>
+                <a:latin typeface="Calibri"/>
+              </a:rPr>
+              <a:t>f</a:t>
+            </a:r>
+            <a:r>
+              <a:rPr b="1" lang="en-US" sz="4000" spc="-1" strike="noStrike">
+                <a:solidFill>
+                  <a:srgbClr val="ffff00"/>
+                </a:solidFill>
+                <a:latin typeface="Calibri"/>
+              </a:rPr>
+              <a:t>a</a:t>
+            </a:r>
+            <a:r>
+              <a:rPr b="1" lang="en-US" sz="4000" spc="-1" strike="noStrike">
+                <a:solidFill>
+                  <a:srgbClr val="ffff00"/>
+                </a:solidFill>
+                <a:latin typeface="Calibri"/>
+              </a:rPr>
+              <a:t>c</a:t>
+            </a:r>
+            <a:r>
+              <a:rPr b="1" lang="en-US" sz="4000" spc="-1" strike="noStrike">
+                <a:solidFill>
+                  <a:srgbClr val="ffff00"/>
+                </a:solidFill>
+                <a:latin typeface="Calibri"/>
+              </a:rPr>
+              <a:t>e</a:t>
             </a:r>
             <a:endParaRPr b="0" lang="en-US" sz="4000" spc="-1" strike="noStrike">
               <a:latin typeface="Arial"/>
@@ -3004,7 +2951,7 @@
         <p:spPr>
           <a:xfrm>
             <a:off x="1259640" y="4581000"/>
-            <a:ext cx="6395760" cy="689760"/>
+            <a:ext cx="6395040" cy="689040"/>
           </a:xfrm>
           <a:prstGeom prst="rect">
             <a:avLst/>
@@ -3059,7 +3006,7 @@
         <p:spPr>
           <a:xfrm>
             <a:off x="3564000" y="3707280"/>
-            <a:ext cx="1608840" cy="847800"/>
+            <a:ext cx="1608120" cy="847080"/>
           </a:xfrm>
           <a:prstGeom prst="rect">
             <a:avLst/>
@@ -3083,7 +3030,7 @@
         <p:txBody>
           <a:bodyPr/>
           <a:p>
-            <a:fld id="{3F74F752-A7D6-4C68-82FB-49A83921D4D8}" type="slidenum">
+            <a:fld id="{C92F0EF8-D1F5-407E-8B48-1982308CD128}" type="slidenum">
               <a:t>1</a:t>
             </a:fld>
           </a:p>
@@ -3103,9 +3050,9 @@
         <p:txBody>
           <a:bodyPr/>
           <a:p>
-            <a:fld id="{0695E0A5-34CB-417E-93C8-B7D42C0A18B6}" type="datetime1">
+            <a:fld id="{DD4EBF33-8949-4DD9-A63F-8C77ED82E0F3}" type="datetime1">
               <a:rPr lang="en-US"/>
-              <a:t>12/10/2022</a:t>
+              <a:t>12/11/2022</a:t>
             </a:fld>
           </a:p>
         </p:txBody>
@@ -3140,9 +3087,60 @@
           <a:chExt cx="0" cy="0"/>
         </a:xfrm>
       </p:grpSpPr>
+      <p:sp>
+        <p:nvSpPr>
+          <p:cNvPr id="80" name="PlaceHolder 1"/>
+          <p:cNvSpPr>
+            <a:spLocks noGrp="1"/>
+          </p:cNvSpPr>
+          <p:nvPr>
+            <p:ph type="title"/>
+          </p:nvPr>
+        </p:nvSpPr>
+        <p:spPr>
+          <a:xfrm>
+            <a:off x="0" y="2130480"/>
+            <a:ext cx="9138240" cy="1464120"/>
+          </a:xfrm>
+          <a:prstGeom prst="rect">
+            <a:avLst/>
+          </a:prstGeom>
+          <a:solidFill>
+            <a:srgbClr val="00b0f0"/>
+          </a:solidFill>
+          <a:ln w="0">
+            <a:noFill/>
+          </a:ln>
+        </p:spPr>
+        <p:txBody>
+          <a:bodyPr lIns="0" rIns="0" tIns="0" bIns="0" anchor="ctr">
+            <a:normAutofit/>
+          </a:bodyPr>
+          <a:p>
+            <a:pPr algn="ctr">
+              <a:lnSpc>
+                <a:spcPct val="100000"/>
+              </a:lnSpc>
+              <a:buNone/>
+            </a:pPr>
+            <a:r>
+              <a:rPr b="1" lang="en-US" sz="3600" spc="-1" strike="noStrike">
+                <a:solidFill>
+                  <a:srgbClr val="ffff00"/>
+                </a:solidFill>
+                <a:latin typeface="Calibri"/>
+              </a:rPr>
+              <a:t>005.3 Create Presentation Queue</a:t>
+            </a:r>
+            <a:endParaRPr b="0" lang="en-US" sz="3600" spc="-1" strike="noStrike">
+              <a:latin typeface="Arial"/>
+            </a:endParaRPr>
+          </a:p>
+        </p:txBody>
+      </p:sp>
       <p:pic>
         <p:nvPicPr>
-          <p:cNvPr id="71" name="" descr=""/>
+          <p:cNvPr id="81" name="Picture 4" descr="Image result for google vulkan logo"/>
           <p:cNvPicPr/>
           <p:nvPr/>
         </p:nvPicPr>
@@ -3152,8 +3150,8 @@
         </p:blipFill>
         <p:spPr>
           <a:xfrm>
-            <a:off x="2878920" y="2039400"/>
-            <a:ext cx="5806080" cy="4590000"/>
+            <a:off x="3564000" y="3707280"/>
+            <a:ext cx="1608120" cy="847080"/>
           </a:xfrm>
           <a:prstGeom prst="rect">
             <a:avLst/>
@@ -3165,216 +3163,7 @@
       </p:pic>
       <p:sp>
         <p:nvSpPr>
-          <p:cNvPr id="72" name="PlaceHolder 1"/>
-          <p:cNvSpPr>
-            <a:spLocks noGrp="1"/>
-          </p:cNvSpPr>
-          <p:nvPr>
-            <p:ph type="title"/>
-          </p:nvPr>
-        </p:nvSpPr>
-        <p:spPr>
-          <a:xfrm>
-            <a:off x="0" y="2520"/>
-            <a:ext cx="9138960" cy="759600"/>
-          </a:xfrm>
-          <a:prstGeom prst="rect">
-            <a:avLst/>
-          </a:prstGeom>
-          <a:gradFill rotWithShape="0">
-            <a:gsLst>
-              <a:gs pos="0">
-                <a:srgbClr val="bf0000"/>
-              </a:gs>
-              <a:gs pos="100000">
-                <a:srgbClr val="710000"/>
-              </a:gs>
-            </a:gsLst>
-            <a:lin ang="8100000"/>
-          </a:gradFill>
-          <a:ln w="0">
-            <a:noFill/>
-          </a:ln>
-        </p:spPr>
-        <p:txBody>
-          <a:bodyPr lIns="0" rIns="0" tIns="0" bIns="0" anchor="ctr">
-            <a:normAutofit/>
-          </a:bodyPr>
-          <a:p>
-            <a:pPr>
-              <a:lnSpc>
-                <a:spcPct val="100000"/>
-              </a:lnSpc>
-              <a:buNone/>
-            </a:pPr>
-            <a:r>
-              <a:rPr b="1" lang="en-US" sz="4000" spc="-1" strike="noStrike">
-                <a:solidFill>
-                  <a:srgbClr val="ffff00"/>
-                </a:solidFill>
-                <a:latin typeface="Calibri"/>
-              </a:rPr>
-              <a:t>004.4 Create Logical Device</a:t>
-            </a:r>
-            <a:endParaRPr b="0" lang="en-US" sz="4000" spc="-1" strike="noStrike">
-              <a:latin typeface="Arial"/>
-            </a:endParaRPr>
-          </a:p>
-        </p:txBody>
-      </p:sp>
-      <p:sp>
-        <p:nvSpPr>
-          <p:cNvPr id="73" name="PlaceHolder 2"/>
-          <p:cNvSpPr>
-            <a:spLocks noGrp="1"/>
-          </p:cNvSpPr>
-          <p:nvPr>
-            <p:ph type="subTitle"/>
-          </p:nvPr>
-        </p:nvSpPr>
-        <p:spPr>
-          <a:xfrm>
-            <a:off x="467640" y="1371600"/>
-            <a:ext cx="8217360" cy="667800"/>
-          </a:xfrm>
-          <a:prstGeom prst="rect">
-            <a:avLst/>
-          </a:prstGeom>
-          <a:noFill/>
-          <a:ln w="25560">
-            <a:solidFill>
-              <a:srgbClr val="c00000"/>
-            </a:solidFill>
-            <a:round/>
-          </a:ln>
-        </p:spPr>
-        <p:txBody>
-          <a:bodyPr lIns="0" rIns="0" tIns="0" bIns="0" anchor="t">
-            <a:noAutofit/>
-          </a:bodyPr>
-          <a:p>
-            <a:pPr marL="343080" indent="-343080">
-              <a:lnSpc>
-                <a:spcPct val="100000"/>
-              </a:lnSpc>
-              <a:spcBef>
-                <a:spcPts val="360"/>
-              </a:spcBef>
-              <a:buClr>
-                <a:srgbClr val="0070c0"/>
-              </a:buClr>
-              <a:buSzPct val="80000"/>
-              <a:buFont typeface="Wingdings" charset="2"/>
-              <a:buChar char=""/>
-            </a:pPr>
-            <a:r>
-              <a:rPr b="1" lang="en-US" sz="1800" spc="-1" strike="noStrike">
-                <a:solidFill>
-                  <a:srgbClr val="2d2d2d"/>
-                </a:solidFill>
-                <a:latin typeface="Calibri"/>
-              </a:rPr>
-              <a:t>Create Logical Device</a:t>
-            </a:r>
-            <a:endParaRPr b="0" lang="en-US" sz="1800" spc="-1" strike="noStrike">
-              <a:latin typeface="Arial"/>
-            </a:endParaRPr>
-          </a:p>
-        </p:txBody>
-      </p:sp>
-      <p:sp>
-        <p:nvSpPr>
-          <p:cNvPr id="74" name="標題 3"/>
-          <p:cNvSpPr/>
-          <p:nvPr/>
-        </p:nvSpPr>
-        <p:spPr>
-          <a:xfrm>
-            <a:off x="0" y="764640"/>
-            <a:ext cx="9138960" cy="354960"/>
-          </a:xfrm>
-          <a:prstGeom prst="rect">
-            <a:avLst/>
-          </a:prstGeom>
-          <a:gradFill rotWithShape="0">
-            <a:gsLst>
-              <a:gs pos="0">
-                <a:srgbClr val="00afef"/>
-              </a:gs>
-              <a:gs pos="100000">
-                <a:srgbClr val="00688e"/>
-              </a:gs>
-            </a:gsLst>
-            <a:lin ang="8100000"/>
-          </a:gradFill>
-          <a:ln w="0">
-            <a:noFill/>
-          </a:ln>
-        </p:spPr>
-        <p:style>
-          <a:lnRef idx="0"/>
-          <a:fillRef idx="0"/>
-          <a:effectRef idx="0"/>
-          <a:fontRef idx="minor"/>
-        </p:style>
-        <p:txBody>
-          <a:bodyPr lIns="90000" rIns="90000" tIns="45000" bIns="45000" anchor="ctr">
-            <a:normAutofit fontScale="81000"/>
-          </a:bodyPr>
-          <a:p>
-            <a:pPr>
-              <a:lnSpc>
-                <a:spcPct val="100000"/>
-              </a:lnSpc>
-              <a:buNone/>
-            </a:pPr>
-            <a:r>
-              <a:rPr b="0" lang="en-US" sz="1800" spc="-1" strike="noStrike">
-                <a:solidFill>
-                  <a:srgbClr val="000000"/>
-                </a:solidFill>
-                <a:latin typeface="Calibri"/>
-                <a:ea typeface="DejaVu Sans"/>
-              </a:rPr>
-              <a:t>https://vulkan-tutorial.com/Drawing_a_triangle/Setup/Physical_devices_and_queue_families</a:t>
-            </a:r>
-            <a:endParaRPr b="0" lang="en-US" sz="1800" spc="-1" strike="noStrike">
-              <a:latin typeface="Arial"/>
-            </a:endParaRPr>
-          </a:p>
-        </p:txBody>
-      </p:sp>
-      <p:sp>
-        <p:nvSpPr>
-          <p:cNvPr id="75" name=""/>
-          <p:cNvSpPr/>
-          <p:nvPr/>
-        </p:nvSpPr>
-        <p:spPr>
-          <a:xfrm>
-            <a:off x="3657600" y="3480840"/>
-            <a:ext cx="4572000" cy="2691360"/>
-          </a:xfrm>
-          <a:prstGeom prst="rect">
-            <a:avLst/>
-          </a:prstGeom>
-          <a:noFill/>
-          <a:ln w="0">
-            <a:solidFill>
-              <a:srgbClr val="bf0041"/>
-            </a:solidFill>
-          </a:ln>
-        </p:spPr>
-        <p:style>
-          <a:lnRef idx="0"/>
-          <a:fillRef idx="0"/>
-          <a:effectRef idx="0"/>
-          <a:fontRef idx="minor"/>
-        </p:style>
-      </p:sp>
-      <p:sp>
-        <p:nvSpPr>
-          <p:cNvPr id="4" name="PlaceHolder 3"/>
+          <p:cNvPr id="3" name="PlaceHolder 2"/>
           <p:cNvSpPr>
             <a:spLocks noGrp="1"/>
           </p:cNvSpPr>
@@ -3386,7 +3175,7 @@
         <p:txBody>
           <a:bodyPr/>
           <a:p>
-            <a:fld id="{A0502206-680B-4CBF-99A2-B2CF99BEC953}" type="slidenum">
+            <a:fld id="{2AF32754-1294-4AA0-B777-3363816B33D8}" type="slidenum">
               <a:t>10</a:t>
             </a:fld>
           </a:p>
@@ -3394,7 +3183,7 @@
       </p:sp>
       <p:sp>
         <p:nvSpPr>
-          <p:cNvPr id="5" name="PlaceHolder 4"/>
+          <p:cNvPr id="4" name="PlaceHolder 3"/>
           <p:cNvSpPr>
             <a:spLocks noGrp="1"/>
           </p:cNvSpPr>
@@ -3406,9 +3195,9 @@
         <p:txBody>
           <a:bodyPr/>
           <a:p>
-            <a:fld id="{3317FEAF-7714-4ACC-9523-33FFCE6A3C36}" type="datetime1">
+            <a:fld id="{7DC11A4E-EEB5-413B-B939-894D5FF9CB65}" type="datetime1">
               <a:rPr lang="en-US"/>
-              <a:t>12/10/2022</a:t>
+              <a:t>12/11/2022</a:t>
             </a:fld>
           </a:p>
         </p:txBody>
@@ -3445,7 +3234,7 @@
       </p:grpSpPr>
       <p:pic>
         <p:nvPicPr>
-          <p:cNvPr id="76" name="" descr=""/>
+          <p:cNvPr id="82" name="" descr=""/>
           <p:cNvPicPr/>
           <p:nvPr/>
         </p:nvPicPr>
@@ -3455,8 +3244,8 @@
         </p:blipFill>
         <p:spPr>
           <a:xfrm>
-            <a:off x="543240" y="2514600"/>
-            <a:ext cx="8600760" cy="3704760"/>
+            <a:off x="2057400" y="2194920"/>
+            <a:ext cx="5029200" cy="4663080"/>
           </a:xfrm>
           <a:prstGeom prst="rect">
             <a:avLst/>
@@ -3468,7 +3257,7 @@
       </p:pic>
       <p:sp>
         <p:nvSpPr>
-          <p:cNvPr id="77" name="PlaceHolder 1"/>
+          <p:cNvPr id="83" name="PlaceHolder 1"/>
           <p:cNvSpPr>
             <a:spLocks noGrp="1"/>
           </p:cNvSpPr>
@@ -3479,7 +3268,7 @@
         <p:spPr>
           <a:xfrm>
             <a:off x="0" y="2520"/>
-            <a:ext cx="9138960" cy="759600"/>
+            <a:ext cx="9138240" cy="758880"/>
           </a:xfrm>
           <a:prstGeom prst="rect">
             <a:avLst/>
@@ -3501,7 +3290,7 @@
         </p:spPr>
         <p:txBody>
           <a:bodyPr lIns="0" rIns="0" tIns="0" bIns="0" anchor="ctr">
-            <a:normAutofit/>
+            <a:normAutofit fontScale="78000"/>
           </a:bodyPr>
           <a:p>
             <a:pPr>
@@ -3517,7 +3306,7 @@
                 </a:solidFill>
                 <a:latin typeface="Calibri"/>
               </a:rPr>
-              <a:t>004.4 Create Logical Device</a:t>
+              <a:t>005.3 Create Presentation Queue</a:t>
             </a:r>
             <a:endParaRPr b="0" lang="en-US" sz="4000" spc="-1" strike="noStrike">
               <a:latin typeface="Arial"/>
@@ -3527,7 +3316,7 @@
       </p:sp>
       <p:sp>
         <p:nvSpPr>
-          <p:cNvPr id="78" name="PlaceHolder 2"/>
+          <p:cNvPr id="84" name="PlaceHolder 2"/>
           <p:cNvSpPr>
             <a:spLocks noGrp="1"/>
           </p:cNvSpPr>
@@ -3538,12 +3327,14 @@
         <p:spPr>
           <a:xfrm>
             <a:off x="467640" y="1371600"/>
-            <a:ext cx="8217360" cy="667800"/>
-          </a:xfrm>
-          <a:prstGeom prst="rect">
-            <a:avLst/>
-          </a:prstGeom>
-          <a:noFill/>
+            <a:ext cx="8216640" cy="685800"/>
+          </a:xfrm>
+          <a:prstGeom prst="rect">
+            <a:avLst/>
+          </a:prstGeom>
+          <a:solidFill>
+            <a:srgbClr val="ffffff"/>
+          </a:solidFill>
           <a:ln w="25560">
             <a:solidFill>
               <a:srgbClr val="c00000"/>
@@ -3577,24 +3368,52 @@
                 </a:solidFill>
                 <a:latin typeface="Calibri"/>
               </a:rPr>
-              <a:t>Destroy Device</a:t>
+              <a:t>Create Presentation Queue</a:t>
             </a:r>
             <a:endParaRPr b="0" lang="en-US" sz="1800" spc="-1" strike="noStrike">
               <a:latin typeface="Arial"/>
             </a:endParaRPr>
           </a:p>
-        </p:txBody>
-      </p:sp>
-      <p:sp>
-        <p:nvSpPr>
-          <p:cNvPr id="79" name="標題 4"/>
+          <a:p>
+            <a:pPr marL="343080" indent="-343080">
+              <a:lnSpc>
+                <a:spcPct val="100000"/>
+              </a:lnSpc>
+              <a:spcBef>
+                <a:spcPts val="360"/>
+              </a:spcBef>
+              <a:buClr>
+                <a:srgbClr val="0070c0"/>
+              </a:buClr>
+              <a:buSzPct val="80000"/>
+              <a:buFont typeface="Wingdings" charset="2"/>
+              <a:buChar char=""/>
+            </a:pPr>
+            <a:r>
+              <a:rPr b="0" lang="en-US" sz="1800" spc="-1" strike="noStrike">
+                <a:solidFill>
+                  <a:srgbClr val="2d2d2d"/>
+                </a:solidFill>
+                <a:latin typeface="Calibri"/>
+              </a:rPr>
+              <a:t>Create presentation queue, Queue Information Count.</a:t>
+            </a:r>
+            <a:endParaRPr b="0" lang="en-US" sz="1800" spc="-1" strike="noStrike">
+              <a:latin typeface="Arial"/>
+            </a:endParaRPr>
+          </a:p>
+        </p:txBody>
+      </p:sp>
+      <p:sp>
+        <p:nvSpPr>
+          <p:cNvPr id="85" name="標題 5"/>
           <p:cNvSpPr/>
           <p:nvPr/>
         </p:nvSpPr>
         <p:spPr>
           <a:xfrm>
             <a:off x="0" y="764640"/>
-            <a:ext cx="9138960" cy="354960"/>
+            <a:ext cx="9138240" cy="354240"/>
           </a:xfrm>
           <a:prstGeom prst="rect">
             <a:avLst/>
@@ -3622,7 +3441,7 @@
         </p:style>
         <p:txBody>
           <a:bodyPr lIns="90000" rIns="90000" tIns="45000" bIns="45000" anchor="ctr">
-            <a:normAutofit fontScale="81000"/>
+            <a:normAutofit fontScale="96000"/>
           </a:bodyPr>
           <a:p>
             <a:pPr>
@@ -3639,7 +3458,7 @@
                 <a:latin typeface="Calibri"/>
                 <a:ea typeface="DejaVu Sans"/>
               </a:rPr>
-              <a:t>https://vulkan-tutorial.com/Drawing_a_triangle/Setup/Physical_devices_and_queue_families</a:t>
+              <a:t>https://vulkan-tutorial.com/Drawing_a_triangle/Presentation/Window_surface</a:t>
             </a:r>
             <a:endParaRPr b="0" lang="en-US" sz="1800" spc="-1" strike="noStrike">
               <a:latin typeface="Arial"/>
@@ -3649,14 +3468,14 @@
       </p:sp>
       <p:sp>
         <p:nvSpPr>
-          <p:cNvPr id="80" name=""/>
+          <p:cNvPr id="86" name=""/>
           <p:cNvSpPr/>
           <p:nvPr/>
         </p:nvSpPr>
         <p:spPr>
           <a:xfrm>
-            <a:off x="1828800" y="3252240"/>
-            <a:ext cx="4572000" cy="633960"/>
+            <a:off x="2743200" y="2514600"/>
+            <a:ext cx="4114800" cy="3886200"/>
           </a:xfrm>
           <a:prstGeom prst="rect">
             <a:avLst/>
@@ -3689,7 +3508,7 @@
         <p:txBody>
           <a:bodyPr/>
           <a:p>
-            <a:fld id="{60C03CC7-460B-490B-8ADF-9B52A7692B5B}" type="slidenum">
+            <a:fld id="{B66049E1-DA43-45F6-B0AC-F58166374AE8}" type="slidenum">
               <a:t>11</a:t>
             </a:fld>
           </a:p>
@@ -3709,9 +3528,9 @@
         <p:txBody>
           <a:bodyPr/>
           <a:p>
-            <a:fld id="{47BCEBBC-65F0-414A-B0F3-AE6860D80BD1}" type="datetime1">
+            <a:fld id="{4C1CE3B3-04AE-4CA6-96FF-62F92B2BC65A}" type="datetime1">
               <a:rPr lang="en-US"/>
-              <a:t>12/10/2022</a:t>
+              <a:t>12/11/2022</a:t>
             </a:fld>
           </a:p>
         </p:txBody>
@@ -3746,60 +3565,9 @@
           <a:chExt cx="0" cy="0"/>
         </a:xfrm>
       </p:grpSpPr>
-      <p:sp>
-        <p:nvSpPr>
-          <p:cNvPr id="81" name="PlaceHolder 1"/>
-          <p:cNvSpPr>
-            <a:spLocks noGrp="1"/>
-          </p:cNvSpPr>
-          <p:nvPr>
-            <p:ph type="title"/>
-          </p:nvPr>
-        </p:nvSpPr>
-        <p:spPr>
-          <a:xfrm>
-            <a:off x="0" y="2130480"/>
-            <a:ext cx="9138960" cy="1464840"/>
-          </a:xfrm>
-          <a:prstGeom prst="rect">
-            <a:avLst/>
-          </a:prstGeom>
-          <a:solidFill>
-            <a:srgbClr val="00b0f0"/>
-          </a:solidFill>
-          <a:ln w="0">
-            <a:noFill/>
-          </a:ln>
-        </p:spPr>
-        <p:txBody>
-          <a:bodyPr lIns="0" rIns="0" tIns="0" bIns="0" anchor="ctr">
-            <a:normAutofit/>
-          </a:bodyPr>
-          <a:p>
-            <a:pPr algn="ctr">
-              <a:lnSpc>
-                <a:spcPct val="100000"/>
-              </a:lnSpc>
-              <a:buNone/>
-            </a:pPr>
-            <a:r>
-              <a:rPr b="1" lang="en-US" sz="4000" spc="-1" strike="noStrike">
-                <a:solidFill>
-                  <a:srgbClr val="ffff00"/>
-                </a:solidFill>
-                <a:latin typeface="Calibri"/>
-              </a:rPr>
-              <a:t>004.5 Retrieve Queue Handle</a:t>
-            </a:r>
-            <a:endParaRPr b="0" lang="en-US" sz="4000" spc="-1" strike="noStrike">
-              <a:latin typeface="Arial"/>
-            </a:endParaRPr>
-          </a:p>
-        </p:txBody>
-      </p:sp>
       <p:pic>
         <p:nvPicPr>
-          <p:cNvPr id="82" name="Picture 6" descr="Image result for google vulkan logo"/>
+          <p:cNvPr id="87" name="" descr=""/>
           <p:cNvPicPr/>
           <p:nvPr/>
         </p:nvPicPr>
@@ -3809,8 +3577,8 @@
         </p:blipFill>
         <p:spPr>
           <a:xfrm>
-            <a:off x="3564000" y="3707280"/>
-            <a:ext cx="1608840" cy="847800"/>
+            <a:off x="1108080" y="2154240"/>
+            <a:ext cx="6435720" cy="4464000"/>
           </a:xfrm>
           <a:prstGeom prst="rect">
             <a:avLst/>
@@ -3822,7 +3590,246 @@
       </p:pic>
       <p:sp>
         <p:nvSpPr>
-          <p:cNvPr id="3" name="PlaceHolder 2"/>
+          <p:cNvPr id="88" name="PlaceHolder 1"/>
+          <p:cNvSpPr>
+            <a:spLocks noGrp="1"/>
+          </p:cNvSpPr>
+          <p:nvPr>
+            <p:ph type="title"/>
+          </p:nvPr>
+        </p:nvSpPr>
+        <p:spPr>
+          <a:xfrm>
+            <a:off x="0" y="2520"/>
+            <a:ext cx="9138240" cy="758880"/>
+          </a:xfrm>
+          <a:prstGeom prst="rect">
+            <a:avLst/>
+          </a:prstGeom>
+          <a:gradFill rotWithShape="0">
+            <a:gsLst>
+              <a:gs pos="0">
+                <a:srgbClr val="bf0000"/>
+              </a:gs>
+              <a:gs pos="100000">
+                <a:srgbClr val="710000"/>
+              </a:gs>
+            </a:gsLst>
+            <a:lin ang="8100000"/>
+          </a:gradFill>
+          <a:ln w="0">
+            <a:noFill/>
+          </a:ln>
+        </p:spPr>
+        <p:txBody>
+          <a:bodyPr lIns="0" rIns="0" tIns="0" bIns="0" anchor="ctr">
+            <a:normAutofit fontScale="78000"/>
+          </a:bodyPr>
+          <a:p>
+            <a:pPr>
+              <a:lnSpc>
+                <a:spcPct val="100000"/>
+              </a:lnSpc>
+              <a:buNone/>
+            </a:pPr>
+            <a:r>
+              <a:rPr b="1" lang="en-US" sz="4000" spc="-1" strike="noStrike">
+                <a:solidFill>
+                  <a:srgbClr val="ffff00"/>
+                </a:solidFill>
+                <a:latin typeface="Calibri"/>
+              </a:rPr>
+              <a:t>005.3 Create Presentation Queue</a:t>
+            </a:r>
+            <a:endParaRPr b="0" lang="en-US" sz="4000" spc="-1" strike="noStrike">
+              <a:latin typeface="Arial"/>
+            </a:endParaRPr>
+          </a:p>
+        </p:txBody>
+      </p:sp>
+      <p:sp>
+        <p:nvSpPr>
+          <p:cNvPr id="89" name="PlaceHolder 2"/>
+          <p:cNvSpPr>
+            <a:spLocks noGrp="1"/>
+          </p:cNvSpPr>
+          <p:nvPr>
+            <p:ph type="subTitle"/>
+          </p:nvPr>
+        </p:nvSpPr>
+        <p:spPr>
+          <a:xfrm>
+            <a:off x="467640" y="1371600"/>
+            <a:ext cx="8216640" cy="685800"/>
+          </a:xfrm>
+          <a:prstGeom prst="rect">
+            <a:avLst/>
+          </a:prstGeom>
+          <a:solidFill>
+            <a:srgbClr val="ffffff"/>
+          </a:solidFill>
+          <a:ln w="25560">
+            <a:solidFill>
+              <a:srgbClr val="c00000"/>
+            </a:solidFill>
+            <a:round/>
+          </a:ln>
+        </p:spPr>
+        <p:txBody>
+          <a:bodyPr lIns="0" rIns="0" tIns="0" bIns="0" anchor="t">
+            <a:noAutofit/>
+          </a:bodyPr>
+          <a:p>
+            <a:pPr marL="343080" indent="-343080">
+              <a:lnSpc>
+                <a:spcPct val="100000"/>
+              </a:lnSpc>
+              <a:spcBef>
+                <a:spcPts val="360"/>
+              </a:spcBef>
+              <a:buClr>
+                <a:srgbClr val="0070c0"/>
+              </a:buClr>
+              <a:buSzPct val="80000"/>
+              <a:buFont typeface="Wingdings" charset="2"/>
+              <a:buChar char=""/>
+            </a:pPr>
+            <a:r>
+              <a:rPr b="1" lang="en-US" sz="1800" spc="-1" strike="noStrike">
+                <a:solidFill>
+                  <a:srgbClr val="2d2d2d"/>
+                </a:solidFill>
+                <a:latin typeface="Calibri"/>
+              </a:rPr>
+              <a:t>Create Presentation Queue</a:t>
+            </a:r>
+            <a:endParaRPr b="0" lang="en-US" sz="1800" spc="-1" strike="noStrike">
+              <a:latin typeface="Arial"/>
+            </a:endParaRPr>
+          </a:p>
+          <a:p>
+            <a:pPr marL="343080" indent="-343080">
+              <a:lnSpc>
+                <a:spcPct val="100000"/>
+              </a:lnSpc>
+              <a:spcBef>
+                <a:spcPts val="360"/>
+              </a:spcBef>
+              <a:buClr>
+                <a:srgbClr val="0070c0"/>
+              </a:buClr>
+              <a:buSzPct val="80000"/>
+              <a:buFont typeface="Wingdings" charset="2"/>
+              <a:buChar char=""/>
+            </a:pPr>
+            <a:r>
+              <a:rPr b="0" lang="en-US" sz="1800" spc="-1" strike="noStrike">
+                <a:solidFill>
+                  <a:srgbClr val="2d2d2d"/>
+                </a:solidFill>
+                <a:latin typeface="Calibri"/>
+              </a:rPr>
+              <a:t>Get device surface support.</a:t>
+            </a:r>
+            <a:endParaRPr b="0" lang="en-US" sz="1800" spc="-1" strike="noStrike">
+              <a:latin typeface="Arial"/>
+            </a:endParaRPr>
+          </a:p>
+        </p:txBody>
+      </p:sp>
+      <p:sp>
+        <p:nvSpPr>
+          <p:cNvPr id="90" name="標題 7"/>
+          <p:cNvSpPr/>
+          <p:nvPr/>
+        </p:nvSpPr>
+        <p:spPr>
+          <a:xfrm>
+            <a:off x="0" y="764640"/>
+            <a:ext cx="9138240" cy="354240"/>
+          </a:xfrm>
+          <a:prstGeom prst="rect">
+            <a:avLst/>
+          </a:prstGeom>
+          <a:gradFill rotWithShape="0">
+            <a:gsLst>
+              <a:gs pos="0">
+                <a:srgbClr val="00afef"/>
+              </a:gs>
+              <a:gs pos="100000">
+                <a:srgbClr val="00688e"/>
+              </a:gs>
+            </a:gsLst>
+            <a:lin ang="8100000"/>
+          </a:gradFill>
+          <a:ln w="0">
+            <a:noFill/>
+          </a:ln>
+        </p:spPr>
+        <p:style>
+          <a:lnRef idx="0"/>
+          <a:fillRef idx="0"/>
+          <a:effectRef idx="0"/>
+          <a:fontRef idx="minor"/>
+        </p:style>
+        <p:txBody>
+          <a:bodyPr lIns="90000" rIns="90000" tIns="45000" bIns="45000" anchor="ctr">
+            <a:normAutofit fontScale="96000"/>
+          </a:bodyPr>
+          <a:p>
+            <a:pPr>
+              <a:lnSpc>
+                <a:spcPct val="100000"/>
+              </a:lnSpc>
+              <a:buNone/>
+            </a:pPr>
+            <a:r>
+              <a:rPr b="0" lang="en-US" sz="1800" spc="-1" strike="noStrike">
+                <a:solidFill>
+                  <a:srgbClr val="000000"/>
+                </a:solidFill>
+                <a:latin typeface="Calibri"/>
+                <a:ea typeface="DejaVu Sans"/>
+              </a:rPr>
+              <a:t>https://vulkan-tutorial.com/Drawing_a_triangle/Presentation/Window_surface</a:t>
+            </a:r>
+            <a:endParaRPr b="0" lang="en-US" sz="1800" spc="-1" strike="noStrike">
+              <a:latin typeface="Arial"/>
+            </a:endParaRPr>
+          </a:p>
+        </p:txBody>
+      </p:sp>
+      <p:sp>
+        <p:nvSpPr>
+          <p:cNvPr id="91" name=""/>
+          <p:cNvSpPr/>
+          <p:nvPr/>
+        </p:nvSpPr>
+        <p:spPr>
+          <a:xfrm>
+            <a:off x="2286000" y="4572000"/>
+            <a:ext cx="4572000" cy="685800"/>
+          </a:xfrm>
+          <a:prstGeom prst="rect">
+            <a:avLst/>
+          </a:prstGeom>
+          <a:noFill/>
+          <a:ln w="0">
+            <a:solidFill>
+              <a:srgbClr val="bf0041"/>
+            </a:solidFill>
+          </a:ln>
+        </p:spPr>
+        <p:style>
+          <a:lnRef idx="0"/>
+          <a:fillRef idx="0"/>
+          <a:effectRef idx="0"/>
+          <a:fontRef idx="minor"/>
+        </p:style>
+      </p:sp>
+      <p:sp>
+        <p:nvSpPr>
+          <p:cNvPr id="4" name="PlaceHolder 3"/>
           <p:cNvSpPr>
             <a:spLocks noGrp="1"/>
           </p:cNvSpPr>
@@ -3834,7 +3841,7 @@
         <p:txBody>
           <a:bodyPr/>
           <a:p>
-            <a:fld id="{B51E78BC-A27D-4557-A40C-D934C72DE8C7}" type="slidenum">
+            <a:fld id="{B899F10A-B59D-4D2A-BB22-7FEC68403E7D}" type="slidenum">
               <a:t>12</a:t>
             </a:fld>
           </a:p>
@@ -3842,7 +3849,7 @@
       </p:sp>
       <p:sp>
         <p:nvSpPr>
-          <p:cNvPr id="4" name="PlaceHolder 3"/>
+          <p:cNvPr id="5" name="PlaceHolder 4"/>
           <p:cNvSpPr>
             <a:spLocks noGrp="1"/>
           </p:cNvSpPr>
@@ -3854,9 +3861,9 @@
         <p:txBody>
           <a:bodyPr/>
           <a:p>
-            <a:fld id="{0AC98429-CAF9-41FB-AE32-17B872044EC4}" type="datetime1">
+            <a:fld id="{0003BBC4-6252-43DE-A71B-BAA3B5B09196}" type="datetime1">
               <a:rPr lang="en-US"/>
-              <a:t>12/10/2022</a:t>
+              <a:t>12/11/2022</a:t>
             </a:fld>
           </a:p>
         </p:txBody>
@@ -3891,32 +3898,9 @@
           <a:chExt cx="0" cy="0"/>
         </a:xfrm>
       </p:grpSpPr>
-      <p:pic>
-        <p:nvPicPr>
-          <p:cNvPr id="83" name="" descr=""/>
-          <p:cNvPicPr/>
-          <p:nvPr/>
-        </p:nvPicPr>
-        <p:blipFill>
-          <a:blip r:embed="rId1"/>
-          <a:stretch/>
-        </p:blipFill>
-        <p:spPr>
-          <a:xfrm>
-            <a:off x="457200" y="2057400"/>
-            <a:ext cx="8600760" cy="3704760"/>
-          </a:xfrm>
-          <a:prstGeom prst="rect">
-            <a:avLst/>
-          </a:prstGeom>
-          <a:ln w="0">
-            <a:noFill/>
-          </a:ln>
-        </p:spPr>
-      </p:pic>
-      <p:sp>
-        <p:nvSpPr>
-          <p:cNvPr id="84" name="PlaceHolder 1"/>
+      <p:sp>
+        <p:nvSpPr>
+          <p:cNvPr id="92" name="PlaceHolder 1"/>
           <p:cNvSpPr>
             <a:spLocks noGrp="1"/>
           </p:cNvSpPr>
@@ -3926,123 +3910,8 @@
         </p:nvSpPr>
         <p:spPr>
           <a:xfrm>
-            <a:off x="0" y="2520"/>
-            <a:ext cx="9138960" cy="759600"/>
-          </a:xfrm>
-          <a:prstGeom prst="rect">
-            <a:avLst/>
-          </a:prstGeom>
-          <a:gradFill rotWithShape="0">
-            <a:gsLst>
-              <a:gs pos="0">
-                <a:srgbClr val="bf0000"/>
-              </a:gs>
-              <a:gs pos="100000">
-                <a:srgbClr val="710000"/>
-              </a:gs>
-            </a:gsLst>
-            <a:lin ang="8100000"/>
-          </a:gradFill>
-          <a:ln w="0">
-            <a:noFill/>
-          </a:ln>
-        </p:spPr>
-        <p:txBody>
-          <a:bodyPr lIns="0" rIns="0" tIns="0" bIns="0" anchor="ctr">
-            <a:normAutofit/>
-          </a:bodyPr>
-          <a:p>
-            <a:pPr>
-              <a:lnSpc>
-                <a:spcPct val="100000"/>
-              </a:lnSpc>
-              <a:buNone/>
-            </a:pPr>
-            <a:r>
-              <a:rPr b="1" lang="en-US" sz="4000" spc="-1" strike="noStrike">
-                <a:solidFill>
-                  <a:srgbClr val="ffff00"/>
-                </a:solidFill>
-                <a:latin typeface="Calibri"/>
-              </a:rPr>
-              <a:t>004.5 Retrieve Queue Handle</a:t>
-            </a:r>
-            <a:endParaRPr b="0" lang="en-US" sz="4000" spc="-1" strike="noStrike">
-              <a:latin typeface="Arial"/>
-            </a:endParaRPr>
-          </a:p>
-        </p:txBody>
-      </p:sp>
-      <p:sp>
-        <p:nvSpPr>
-          <p:cNvPr id="85" name="PlaceHolder 2"/>
-          <p:cNvSpPr>
-            <a:spLocks noGrp="1"/>
-          </p:cNvSpPr>
-          <p:nvPr>
-            <p:ph type="subTitle"/>
-          </p:nvPr>
-        </p:nvSpPr>
-        <p:spPr>
-          <a:xfrm>
-            <a:off x="467640" y="1371600"/>
-            <a:ext cx="8217360" cy="667800"/>
-          </a:xfrm>
-          <a:prstGeom prst="rect">
-            <a:avLst/>
-          </a:prstGeom>
-          <a:noFill/>
-          <a:ln w="25560">
-            <a:solidFill>
-              <a:srgbClr val="c00000"/>
-            </a:solidFill>
-            <a:round/>
-          </a:ln>
-        </p:spPr>
-        <p:txBody>
-          <a:bodyPr lIns="0" rIns="0" tIns="0" bIns="0" anchor="t">
-            <a:noAutofit/>
-          </a:bodyPr>
-          <a:p>
-            <a:pPr marL="343080" indent="-343080">
-              <a:lnSpc>
-                <a:spcPct val="100000"/>
-              </a:lnSpc>
-              <a:spcBef>
-                <a:spcPts val="360"/>
-              </a:spcBef>
-              <a:buClr>
-                <a:srgbClr val="0070c0"/>
-              </a:buClr>
-              <a:buSzPct val="80000"/>
-              <a:buFont typeface="Wingdings" charset="2"/>
-              <a:buChar char=""/>
-            </a:pPr>
-            <a:r>
-              <a:rPr b="1" lang="en-US" sz="1800" spc="-1" strike="noStrike">
-                <a:solidFill>
-                  <a:srgbClr val="2d2d2d"/>
-                </a:solidFill>
-                <a:latin typeface="Calibri"/>
-              </a:rPr>
-              <a:t>Declare Graphic Queue</a:t>
-            </a:r>
-            <a:endParaRPr b="0" lang="en-US" sz="1800" spc="-1" strike="noStrike">
-              <a:latin typeface="Arial"/>
-            </a:endParaRPr>
-          </a:p>
-        </p:txBody>
-      </p:sp>
-      <p:sp>
-        <p:nvSpPr>
-          <p:cNvPr id="86" name="標題 5"/>
-          <p:cNvSpPr/>
-          <p:nvPr/>
-        </p:nvSpPr>
-        <p:spPr>
-          <a:xfrm>
-            <a:off x="0" y="764640"/>
-            <a:ext cx="9138960" cy="354960"/>
+            <a:off x="0" y="2130480"/>
+            <a:ext cx="9138240" cy="1464120"/>
           </a:xfrm>
           <a:prstGeom prst="rect">
             <a:avLst/>
@@ -4062,474 +3931,6 @@
             <a:noFill/>
           </a:ln>
         </p:spPr>
-        <p:style>
-          <a:lnRef idx="0"/>
-          <a:fillRef idx="0"/>
-          <a:effectRef idx="0"/>
-          <a:fontRef idx="minor"/>
-        </p:style>
-        <p:txBody>
-          <a:bodyPr lIns="90000" rIns="90000" tIns="45000" bIns="45000" anchor="ctr">
-            <a:normAutofit fontScale="81000"/>
-          </a:bodyPr>
-          <a:p>
-            <a:pPr>
-              <a:lnSpc>
-                <a:spcPct val="100000"/>
-              </a:lnSpc>
-              <a:buNone/>
-            </a:pPr>
-            <a:r>
-              <a:rPr b="0" lang="en-US" sz="1800" spc="-1" strike="noStrike">
-                <a:solidFill>
-                  <a:srgbClr val="000000"/>
-                </a:solidFill>
-                <a:latin typeface="Calibri"/>
-                <a:ea typeface="DejaVu Sans"/>
-              </a:rPr>
-              <a:t>https://vulkan-tutorial.com/Drawing_a_triangle/Setup/Physical_devices_and_queue_families</a:t>
-            </a:r>
-            <a:endParaRPr b="0" lang="en-US" sz="1800" spc="-1" strike="noStrike">
-              <a:latin typeface="Arial"/>
-            </a:endParaRPr>
-          </a:p>
-        </p:txBody>
-      </p:sp>
-      <p:sp>
-        <p:nvSpPr>
-          <p:cNvPr id="87" name=""/>
-          <p:cNvSpPr/>
-          <p:nvPr/>
-        </p:nvSpPr>
-        <p:spPr>
-          <a:xfrm>
-            <a:off x="1600200" y="3729600"/>
-            <a:ext cx="2286000" cy="457200"/>
-          </a:xfrm>
-          <a:prstGeom prst="rect">
-            <a:avLst/>
-          </a:prstGeom>
-          <a:noFill/>
-          <a:ln w="0">
-            <a:solidFill>
-              <a:srgbClr val="bf0041"/>
-            </a:solidFill>
-          </a:ln>
-        </p:spPr>
-        <p:style>
-          <a:lnRef idx="0"/>
-          <a:fillRef idx="0"/>
-          <a:effectRef idx="0"/>
-          <a:fontRef idx="minor"/>
-        </p:style>
-      </p:sp>
-      <p:sp>
-        <p:nvSpPr>
-          <p:cNvPr id="4" name="PlaceHolder 3"/>
-          <p:cNvSpPr>
-            <a:spLocks noGrp="1"/>
-          </p:cNvSpPr>
-          <p:nvPr>
-            <p:ph type="sldNum" idx="2"/>
-          </p:nvPr>
-        </p:nvSpPr>
-        <p:spPr/>
-        <p:txBody>
-          <a:bodyPr/>
-          <a:p>
-            <a:fld id="{677A4FFA-8C09-4FA1-9BBE-082FC6327CF0}" type="slidenum">
-              <a:t>13</a:t>
-            </a:fld>
-          </a:p>
-        </p:txBody>
-      </p:sp>
-      <p:sp>
-        <p:nvSpPr>
-          <p:cNvPr id="5" name="PlaceHolder 4"/>
-          <p:cNvSpPr>
-            <a:spLocks noGrp="1"/>
-          </p:cNvSpPr>
-          <p:nvPr>
-            <p:ph type="dt" idx="3"/>
-          </p:nvPr>
-        </p:nvSpPr>
-        <p:spPr/>
-        <p:txBody>
-          <a:bodyPr/>
-          <a:p>
-            <a:fld id="{076F771A-A250-4A55-9F5C-5829136A97EE}" type="datetime1">
-              <a:rPr lang="en-US"/>
-              <a:t>12/10/2022</a:t>
-            </a:fld>
-          </a:p>
-        </p:txBody>
-      </p:sp>
-    </p:spTree>
-  </p:cSld>
-  <mc:AlternateContent>
-    <mc:Choice Requires="p14">
-      <p:transition spd="slow" p14:dur="2000"/>
-    </mc:Choice>
-    <mc:Fallback>
-      <p:transition spd="slow"/>
-    </mc:Fallback>
-  </mc:AlternateContent>
-</p:sld>
-</file>
-
-<file path=ppt/slides/slide14.xml><?xml version="1.0" encoding="utf-8"?>
-<p:sld xmlns:a="http://schemas.openxmlformats.org/drawingml/2006/main" xmlns:p="http://schemas.openxmlformats.org/presentationml/2006/main" xmlns:r="http://schemas.openxmlformats.org/officeDocument/2006/relationships" xmlns:p14="http://schemas.microsoft.com/office/powerpoint/2010/main" xmlns:p15="http://schemas.microsoft.com/office/powerpoint/2012/main" xmlns:mc="http://schemas.openxmlformats.org/markup-compatibility/2006">
-  <p:cSld>
-    <p:spTree>
-      <p:nvGrpSpPr>
-        <p:cNvPr id="1" name=""/>
-        <p:cNvGrpSpPr/>
-        <p:nvPr/>
-      </p:nvGrpSpPr>
-      <p:grpSpPr>
-        <a:xfrm>
-          <a:off x="0" y="0"/>
-          <a:ext cx="0" cy="0"/>
-          <a:chOff x="0" y="0"/>
-          <a:chExt cx="0" cy="0"/>
-        </a:xfrm>
-      </p:grpSpPr>
-      <p:pic>
-        <p:nvPicPr>
-          <p:cNvPr id="88" name="" descr=""/>
-          <p:cNvPicPr/>
-          <p:nvPr/>
-        </p:nvPicPr>
-        <p:blipFill>
-          <a:blip r:embed="rId1"/>
-          <a:stretch/>
-        </p:blipFill>
-        <p:spPr>
-          <a:xfrm>
-            <a:off x="1744920" y="1683720"/>
-            <a:ext cx="6256080" cy="4945680"/>
-          </a:xfrm>
-          <a:prstGeom prst="rect">
-            <a:avLst/>
-          </a:prstGeom>
-          <a:ln w="0">
-            <a:noFill/>
-          </a:ln>
-        </p:spPr>
-      </p:pic>
-      <p:sp>
-        <p:nvSpPr>
-          <p:cNvPr id="89" name="PlaceHolder 1"/>
-          <p:cNvSpPr>
-            <a:spLocks noGrp="1"/>
-          </p:cNvSpPr>
-          <p:nvPr>
-            <p:ph type="title"/>
-          </p:nvPr>
-        </p:nvSpPr>
-        <p:spPr>
-          <a:xfrm>
-            <a:off x="0" y="2520"/>
-            <a:ext cx="9138960" cy="759600"/>
-          </a:xfrm>
-          <a:prstGeom prst="rect">
-            <a:avLst/>
-          </a:prstGeom>
-          <a:gradFill rotWithShape="0">
-            <a:gsLst>
-              <a:gs pos="0">
-                <a:srgbClr val="bf0000"/>
-              </a:gs>
-              <a:gs pos="100000">
-                <a:srgbClr val="710000"/>
-              </a:gs>
-            </a:gsLst>
-            <a:lin ang="8100000"/>
-          </a:gradFill>
-          <a:ln w="0">
-            <a:noFill/>
-          </a:ln>
-        </p:spPr>
-        <p:txBody>
-          <a:bodyPr lIns="0" rIns="0" tIns="0" bIns="0" anchor="ctr">
-            <a:normAutofit/>
-          </a:bodyPr>
-          <a:p>
-            <a:pPr>
-              <a:lnSpc>
-                <a:spcPct val="100000"/>
-              </a:lnSpc>
-              <a:buNone/>
-            </a:pPr>
-            <a:r>
-              <a:rPr b="1" lang="en-US" sz="4000" spc="-1" strike="noStrike">
-                <a:solidFill>
-                  <a:srgbClr val="ffff00"/>
-                </a:solidFill>
-                <a:latin typeface="Calibri"/>
-              </a:rPr>
-              <a:t>004.5 Retrieve Queue Handle</a:t>
-            </a:r>
-            <a:endParaRPr b="0" lang="en-US" sz="4000" spc="-1" strike="noStrike">
-              <a:latin typeface="Arial"/>
-            </a:endParaRPr>
-          </a:p>
-        </p:txBody>
-      </p:sp>
-      <p:sp>
-        <p:nvSpPr>
-          <p:cNvPr id="90" name="PlaceHolder 2"/>
-          <p:cNvSpPr>
-            <a:spLocks noGrp="1"/>
-          </p:cNvSpPr>
-          <p:nvPr>
-            <p:ph type="subTitle"/>
-          </p:nvPr>
-        </p:nvSpPr>
-        <p:spPr>
-          <a:xfrm>
-            <a:off x="467640" y="1371600"/>
-            <a:ext cx="7761960" cy="312120"/>
-          </a:xfrm>
-          <a:prstGeom prst="rect">
-            <a:avLst/>
-          </a:prstGeom>
-          <a:noFill/>
-          <a:ln w="25560">
-            <a:solidFill>
-              <a:srgbClr val="c00000"/>
-            </a:solidFill>
-            <a:round/>
-          </a:ln>
-        </p:spPr>
-        <p:txBody>
-          <a:bodyPr lIns="0" rIns="0" tIns="0" bIns="0" anchor="t">
-            <a:noAutofit/>
-          </a:bodyPr>
-          <a:p>
-            <a:pPr marL="343080" indent="-343080">
-              <a:lnSpc>
-                <a:spcPct val="100000"/>
-              </a:lnSpc>
-              <a:spcBef>
-                <a:spcPts val="360"/>
-              </a:spcBef>
-              <a:buClr>
-                <a:srgbClr val="0070c0"/>
-              </a:buClr>
-              <a:buSzPct val="80000"/>
-              <a:buFont typeface="Wingdings" charset="2"/>
-              <a:buChar char=""/>
-            </a:pPr>
-            <a:r>
-              <a:rPr b="1" lang="en-US" sz="1800" spc="-1" strike="noStrike">
-                <a:solidFill>
-                  <a:srgbClr val="2d2d2d"/>
-                </a:solidFill>
-                <a:latin typeface="Calibri"/>
-              </a:rPr>
-              <a:t>Retrieve Graphic Queue Handle</a:t>
-            </a:r>
-            <a:endParaRPr b="0" lang="en-US" sz="1800" spc="-1" strike="noStrike">
-              <a:latin typeface="Arial"/>
-            </a:endParaRPr>
-          </a:p>
-        </p:txBody>
-      </p:sp>
-      <p:sp>
-        <p:nvSpPr>
-          <p:cNvPr id="91" name="標題 7"/>
-          <p:cNvSpPr/>
-          <p:nvPr/>
-        </p:nvSpPr>
-        <p:spPr>
-          <a:xfrm>
-            <a:off x="0" y="764640"/>
-            <a:ext cx="9138960" cy="354960"/>
-          </a:xfrm>
-          <a:prstGeom prst="rect">
-            <a:avLst/>
-          </a:prstGeom>
-          <a:gradFill rotWithShape="0">
-            <a:gsLst>
-              <a:gs pos="0">
-                <a:srgbClr val="00afef"/>
-              </a:gs>
-              <a:gs pos="100000">
-                <a:srgbClr val="00688e"/>
-              </a:gs>
-            </a:gsLst>
-            <a:lin ang="8100000"/>
-          </a:gradFill>
-          <a:ln w="0">
-            <a:noFill/>
-          </a:ln>
-        </p:spPr>
-        <p:style>
-          <a:lnRef idx="0"/>
-          <a:fillRef idx="0"/>
-          <a:effectRef idx="0"/>
-          <a:fontRef idx="minor"/>
-        </p:style>
-        <p:txBody>
-          <a:bodyPr lIns="90000" rIns="90000" tIns="45000" bIns="45000" anchor="ctr">
-            <a:normAutofit fontScale="81000"/>
-          </a:bodyPr>
-          <a:p>
-            <a:pPr>
-              <a:lnSpc>
-                <a:spcPct val="100000"/>
-              </a:lnSpc>
-              <a:buNone/>
-            </a:pPr>
-            <a:r>
-              <a:rPr b="0" lang="en-US" sz="1800" spc="-1" strike="noStrike">
-                <a:solidFill>
-                  <a:srgbClr val="000000"/>
-                </a:solidFill>
-                <a:latin typeface="Calibri"/>
-                <a:ea typeface="DejaVu Sans"/>
-              </a:rPr>
-              <a:t>https://vulkan-tutorial.com/Drawing_a_triangle/Setup/Physical_devices_and_queue_families</a:t>
-            </a:r>
-            <a:endParaRPr b="0" lang="en-US" sz="1800" spc="-1" strike="noStrike">
-              <a:latin typeface="Arial"/>
-            </a:endParaRPr>
-          </a:p>
-        </p:txBody>
-      </p:sp>
-      <p:sp>
-        <p:nvSpPr>
-          <p:cNvPr id="92" name=""/>
-          <p:cNvSpPr/>
-          <p:nvPr/>
-        </p:nvSpPr>
-        <p:spPr>
-          <a:xfrm>
-            <a:off x="2743200" y="5943600"/>
-            <a:ext cx="5029200" cy="228600"/>
-          </a:xfrm>
-          <a:prstGeom prst="rect">
-            <a:avLst/>
-          </a:prstGeom>
-          <a:noFill/>
-          <a:ln w="0">
-            <a:solidFill>
-              <a:srgbClr val="bf0041"/>
-            </a:solidFill>
-          </a:ln>
-        </p:spPr>
-        <p:style>
-          <a:lnRef idx="0"/>
-          <a:fillRef idx="0"/>
-          <a:effectRef idx="0"/>
-          <a:fontRef idx="minor"/>
-        </p:style>
-      </p:sp>
-      <p:sp>
-        <p:nvSpPr>
-          <p:cNvPr id="4" name="PlaceHolder 3"/>
-          <p:cNvSpPr>
-            <a:spLocks noGrp="1"/>
-          </p:cNvSpPr>
-          <p:nvPr>
-            <p:ph type="sldNum" idx="2"/>
-          </p:nvPr>
-        </p:nvSpPr>
-        <p:spPr/>
-        <p:txBody>
-          <a:bodyPr/>
-          <a:p>
-            <a:fld id="{228A1C61-DCB8-48F3-8726-7245A0A7F0B1}" type="slidenum">
-              <a:t>14</a:t>
-            </a:fld>
-          </a:p>
-        </p:txBody>
-      </p:sp>
-      <p:sp>
-        <p:nvSpPr>
-          <p:cNvPr id="5" name="PlaceHolder 4"/>
-          <p:cNvSpPr>
-            <a:spLocks noGrp="1"/>
-          </p:cNvSpPr>
-          <p:nvPr>
-            <p:ph type="dt" idx="3"/>
-          </p:nvPr>
-        </p:nvSpPr>
-        <p:spPr/>
-        <p:txBody>
-          <a:bodyPr/>
-          <a:p>
-            <a:fld id="{A5021539-A6A8-44C5-BFB3-B8670299F7E6}" type="datetime1">
-              <a:rPr lang="en-US"/>
-              <a:t>12/10/2022</a:t>
-            </a:fld>
-          </a:p>
-        </p:txBody>
-      </p:sp>
-    </p:spTree>
-  </p:cSld>
-  <mc:AlternateContent>
-    <mc:Choice Requires="p14">
-      <p:transition spd="slow" p14:dur="2000"/>
-    </mc:Choice>
-    <mc:Fallback>
-      <p:transition spd="slow"/>
-    </mc:Fallback>
-  </mc:AlternateContent>
-</p:sld>
-</file>
-
-<file path=ppt/slides/slide15.xml><?xml version="1.0" encoding="utf-8"?>
-<p:sld xmlns:a="http://schemas.openxmlformats.org/drawingml/2006/main" xmlns:p="http://schemas.openxmlformats.org/presentationml/2006/main" xmlns:r="http://schemas.openxmlformats.org/officeDocument/2006/relationships" xmlns:p14="http://schemas.microsoft.com/office/powerpoint/2010/main" xmlns:p15="http://schemas.microsoft.com/office/powerpoint/2012/main" xmlns:mc="http://schemas.openxmlformats.org/markup-compatibility/2006">
-  <p:cSld>
-    <p:spTree>
-      <p:nvGrpSpPr>
-        <p:cNvPr id="1" name=""/>
-        <p:cNvGrpSpPr/>
-        <p:nvPr/>
-      </p:nvGrpSpPr>
-      <p:grpSpPr>
-        <a:xfrm>
-          <a:off x="0" y="0"/>
-          <a:ext cx="0" cy="0"/>
-          <a:chOff x="0" y="0"/>
-          <a:chExt cx="0" cy="0"/>
-        </a:xfrm>
-      </p:grpSpPr>
-      <p:sp>
-        <p:nvSpPr>
-          <p:cNvPr id="93" name="PlaceHolder 1"/>
-          <p:cNvSpPr>
-            <a:spLocks noGrp="1"/>
-          </p:cNvSpPr>
-          <p:nvPr>
-            <p:ph type="title"/>
-          </p:nvPr>
-        </p:nvSpPr>
-        <p:spPr>
-          <a:xfrm>
-            <a:off x="0" y="2130480"/>
-            <a:ext cx="9138960" cy="1464840"/>
-          </a:xfrm>
-          <a:prstGeom prst="rect">
-            <a:avLst/>
-          </a:prstGeom>
-          <a:gradFill rotWithShape="0">
-            <a:gsLst>
-              <a:gs pos="0">
-                <a:srgbClr val="00afef"/>
-              </a:gs>
-              <a:gs pos="100000">
-                <a:srgbClr val="00688e"/>
-              </a:gs>
-            </a:gsLst>
-            <a:lin ang="8100000"/>
-          </a:gradFill>
-          <a:ln w="0">
-            <a:noFill/>
-          </a:ln>
-        </p:spPr>
         <p:txBody>
           <a:bodyPr lIns="0" rIns="0" tIns="0" bIns="0" anchor="ctr">
             <a:normAutofit/>
@@ -4570,8 +3971,8 @@
         <p:txBody>
           <a:bodyPr/>
           <a:p>
-            <a:fld id="{6DE2573F-E314-4C84-AE99-D56DEF7BB316}" type="slidenum">
-              <a:t>15</a:t>
+            <a:fld id="{3E4E87E2-9FBD-44F2-BAF2-9C81C56EFE69}" type="slidenum">
+              <a:t>13</a:t>
             </a:fld>
           </a:p>
         </p:txBody>
@@ -4590,9 +3991,9 @@
         <p:txBody>
           <a:bodyPr/>
           <a:p>
-            <a:fld id="{37924076-34FA-423F-B0EF-809E38408945}" type="datetime1">
+            <a:fld id="{09E20A45-9977-47F8-8FBF-BFE15D71229F}" type="datetime1">
               <a:rPr lang="en-US"/>
-              <a:t>12/10/2022</a:t>
+              <a:t>12/11/2022</a:t>
             </a:fld>
           </a:p>
         </p:txBody>
@@ -4640,7 +4041,7 @@
         <p:spPr>
           <a:xfrm>
             <a:off x="0" y="2520"/>
-            <a:ext cx="9138960" cy="759600"/>
+            <a:ext cx="9138240" cy="758880"/>
           </a:xfrm>
           <a:prstGeom prst="rect">
             <a:avLst/>
@@ -4678,250 +4079,7 @@
                 </a:solidFill>
                 <a:latin typeface="Calibri"/>
               </a:rPr>
-              <a:t>0</a:t>
-            </a:r>
-            <a:r>
-              <a:rPr b="1" lang="en-US" sz="4000" spc="-1" strike="noStrike">
-                <a:solidFill>
-                  <a:srgbClr val="ffff00"/>
-                </a:solidFill>
-                <a:latin typeface="Calibri"/>
-              </a:rPr>
-              <a:t>0</a:t>
-            </a:r>
-            <a:r>
-              <a:rPr b="1" lang="en-US" sz="4000" spc="-1" strike="noStrike">
-                <a:solidFill>
-                  <a:srgbClr val="ffff00"/>
-                </a:solidFill>
-                <a:latin typeface="Calibri"/>
-              </a:rPr>
-              <a:t>4</a:t>
-            </a:r>
-            <a:r>
-              <a:rPr b="1" lang="en-US" sz="4000" spc="-1" strike="noStrike">
-                <a:solidFill>
-                  <a:srgbClr val="ffff00"/>
-                </a:solidFill>
-                <a:latin typeface="Calibri"/>
-              </a:rPr>
-              <a:t> </a:t>
-            </a:r>
-            <a:r>
-              <a:rPr b="1" lang="en-US" sz="4000" spc="-1" strike="noStrike">
-                <a:solidFill>
-                  <a:srgbClr val="ffff00"/>
-                </a:solidFill>
-                <a:latin typeface="Calibri"/>
-              </a:rPr>
-              <a:t>L</a:t>
-            </a:r>
-            <a:r>
-              <a:rPr b="1" lang="en-US" sz="4000" spc="-1" strike="noStrike">
-                <a:solidFill>
-                  <a:srgbClr val="ffff00"/>
-                </a:solidFill>
-                <a:latin typeface="Calibri"/>
-              </a:rPr>
-              <a:t>o</a:t>
-            </a:r>
-            <a:r>
-              <a:rPr b="1" lang="en-US" sz="4000" spc="-1" strike="noStrike">
-                <a:solidFill>
-                  <a:srgbClr val="ffff00"/>
-                </a:solidFill>
-                <a:latin typeface="Calibri"/>
-              </a:rPr>
-              <a:t>g</a:t>
-            </a:r>
-            <a:r>
-              <a:rPr b="1" lang="en-US" sz="4000" spc="-1" strike="noStrike">
-                <a:solidFill>
-                  <a:srgbClr val="ffff00"/>
-                </a:solidFill>
-                <a:latin typeface="Calibri"/>
-              </a:rPr>
-              <a:t>i</a:t>
-            </a:r>
-            <a:r>
-              <a:rPr b="1" lang="en-US" sz="4000" spc="-1" strike="noStrike">
-                <a:solidFill>
-                  <a:srgbClr val="ffff00"/>
-                </a:solidFill>
-                <a:latin typeface="Calibri"/>
-              </a:rPr>
-              <a:t>c</a:t>
-            </a:r>
-            <a:r>
-              <a:rPr b="1" lang="en-US" sz="4000" spc="-1" strike="noStrike">
-                <a:solidFill>
-                  <a:srgbClr val="ffff00"/>
-                </a:solidFill>
-                <a:latin typeface="Calibri"/>
-              </a:rPr>
-              <a:t>a</a:t>
-            </a:r>
-            <a:r>
-              <a:rPr b="1" lang="en-US" sz="4000" spc="-1" strike="noStrike">
-                <a:solidFill>
-                  <a:srgbClr val="ffff00"/>
-                </a:solidFill>
-                <a:latin typeface="Calibri"/>
-              </a:rPr>
-              <a:t>l</a:t>
-            </a:r>
-            <a:r>
-              <a:rPr b="1" lang="en-US" sz="4000" spc="-1" strike="noStrike">
-                <a:solidFill>
-                  <a:srgbClr val="ffff00"/>
-                </a:solidFill>
-                <a:latin typeface="Calibri"/>
-              </a:rPr>
-              <a:t> </a:t>
-            </a:r>
-            <a:r>
-              <a:rPr b="1" lang="en-US" sz="4000" spc="-1" strike="noStrike">
-                <a:solidFill>
-                  <a:srgbClr val="ffff00"/>
-                </a:solidFill>
-                <a:latin typeface="Calibri"/>
-              </a:rPr>
-              <a:t>D</a:t>
-            </a:r>
-            <a:r>
-              <a:rPr b="1" lang="en-US" sz="4000" spc="-1" strike="noStrike">
-                <a:solidFill>
-                  <a:srgbClr val="ffff00"/>
-                </a:solidFill>
-                <a:latin typeface="Calibri"/>
-              </a:rPr>
-              <a:t>e</a:t>
-            </a:r>
-            <a:r>
-              <a:rPr b="1" lang="en-US" sz="4000" spc="-1" strike="noStrike">
-                <a:solidFill>
-                  <a:srgbClr val="ffff00"/>
-                </a:solidFill>
-                <a:latin typeface="Calibri"/>
-              </a:rPr>
-              <a:t>v</a:t>
-            </a:r>
-            <a:r>
-              <a:rPr b="1" lang="en-US" sz="4000" spc="-1" strike="noStrike">
-                <a:solidFill>
-                  <a:srgbClr val="ffff00"/>
-                </a:solidFill>
-                <a:latin typeface="Calibri"/>
-              </a:rPr>
-              <a:t>i</a:t>
-            </a:r>
-            <a:r>
-              <a:rPr b="1" lang="en-US" sz="4000" spc="-1" strike="noStrike">
-                <a:solidFill>
-                  <a:srgbClr val="ffff00"/>
-                </a:solidFill>
-                <a:latin typeface="Calibri"/>
-              </a:rPr>
-              <a:t>c</a:t>
-            </a:r>
-            <a:r>
-              <a:rPr b="1" lang="en-US" sz="4000" spc="-1" strike="noStrike">
-                <a:solidFill>
-                  <a:srgbClr val="ffff00"/>
-                </a:solidFill>
-                <a:latin typeface="Calibri"/>
-              </a:rPr>
-              <a:t>e</a:t>
-            </a:r>
-            <a:r>
-              <a:rPr b="1" lang="en-US" sz="4000" spc="-1" strike="noStrike">
-                <a:solidFill>
-                  <a:srgbClr val="ffff00"/>
-                </a:solidFill>
-                <a:latin typeface="Calibri"/>
-              </a:rPr>
-              <a:t> </a:t>
-            </a:r>
-            <a:r>
-              <a:rPr b="1" lang="en-US" sz="4000" spc="-1" strike="noStrike">
-                <a:solidFill>
-                  <a:srgbClr val="ffff00"/>
-                </a:solidFill>
-                <a:latin typeface="Calibri"/>
-              </a:rPr>
-              <a:t>a</a:t>
-            </a:r>
-            <a:r>
-              <a:rPr b="1" lang="en-US" sz="4000" spc="-1" strike="noStrike">
-                <a:solidFill>
-                  <a:srgbClr val="ffff00"/>
-                </a:solidFill>
-                <a:latin typeface="Calibri"/>
-              </a:rPr>
-              <a:t>n</a:t>
-            </a:r>
-            <a:r>
-              <a:rPr b="1" lang="en-US" sz="4000" spc="-1" strike="noStrike">
-                <a:solidFill>
-                  <a:srgbClr val="ffff00"/>
-                </a:solidFill>
-                <a:latin typeface="Calibri"/>
-              </a:rPr>
-              <a:t>d</a:t>
-            </a:r>
-            <a:r>
-              <a:rPr b="1" lang="en-US" sz="4000" spc="-1" strike="noStrike">
-                <a:solidFill>
-                  <a:srgbClr val="ffff00"/>
-                </a:solidFill>
-                <a:latin typeface="Calibri"/>
-              </a:rPr>
-              <a:t> </a:t>
-            </a:r>
-            <a:r>
-              <a:rPr b="1" lang="en-US" sz="4000" spc="-1" strike="noStrike">
-                <a:solidFill>
-                  <a:srgbClr val="ffff00"/>
-                </a:solidFill>
-                <a:latin typeface="Calibri"/>
-              </a:rPr>
-              <a:t>Q</a:t>
-            </a:r>
-            <a:r>
-              <a:rPr b="1" lang="en-US" sz="4000" spc="-1" strike="noStrike">
-                <a:solidFill>
-                  <a:srgbClr val="ffff00"/>
-                </a:solidFill>
-                <a:latin typeface="Calibri"/>
-              </a:rPr>
-              <a:t>u</a:t>
-            </a:r>
-            <a:r>
-              <a:rPr b="1" lang="en-US" sz="4000" spc="-1" strike="noStrike">
-                <a:solidFill>
-                  <a:srgbClr val="ffff00"/>
-                </a:solidFill>
-                <a:latin typeface="Calibri"/>
-              </a:rPr>
-              <a:t>e</a:t>
-            </a:r>
-            <a:r>
-              <a:rPr b="1" lang="en-US" sz="4000" spc="-1" strike="noStrike">
-                <a:solidFill>
-                  <a:srgbClr val="ffff00"/>
-                </a:solidFill>
-                <a:latin typeface="Calibri"/>
-              </a:rPr>
-              <a:t>u</a:t>
-            </a:r>
-            <a:r>
-              <a:rPr b="1" lang="en-US" sz="4000" spc="-1" strike="noStrike">
-                <a:solidFill>
-                  <a:srgbClr val="ffff00"/>
-                </a:solidFill>
-                <a:latin typeface="Calibri"/>
-              </a:rPr>
-              <a:t>e</a:t>
+              <a:t>005 Window Surface</a:t>
             </a:r>
             <a:endParaRPr b="0" lang="en-US" sz="4000" spc="-1" strike="noStrike">
               <a:latin typeface="Arial"/>
@@ -4942,7 +4100,7 @@
         <p:spPr>
           <a:xfrm>
             <a:off x="467640" y="1371600"/>
-            <a:ext cx="8217360" cy="2286000"/>
+            <a:ext cx="8216640" cy="2743200"/>
           </a:xfrm>
           <a:prstGeom prst="rect">
             <a:avLst/>
@@ -5039,7 +4197,7 @@
                 </a:solidFill>
                 <a:latin typeface="Calibri"/>
               </a:rPr>
-              <a:t>1. Introduction</a:t>
+              <a:t>1. Create Window Surface</a:t>
             </a:r>
             <a:endParaRPr b="0" lang="en-US" sz="1800" spc="-1" strike="noStrike">
               <a:latin typeface="Arial"/>
@@ -5067,7 +4225,7 @@
                 </a:solidFill>
                 <a:latin typeface="Calibri"/>
               </a:rPr>
-              <a:t>2. Specify queue creation</a:t>
+              <a:t>2. Query Presentation Support</a:t>
             </a:r>
             <a:endParaRPr b="0" lang="en-US" sz="1800" spc="-1" strike="noStrike">
               <a:latin typeface="Arial"/>
@@ -5095,7 +4253,7 @@
                 </a:solidFill>
                 <a:latin typeface="Calibri"/>
               </a:rPr>
-              <a:t>3. Specify device feature</a:t>
+              <a:t>3. Create Presentation Queue</a:t>
             </a:r>
             <a:endParaRPr b="0" lang="en-US" sz="1800" spc="-1" strike="noStrike">
               <a:latin typeface="Arial"/>
@@ -5123,7 +4281,7 @@
                 </a:solidFill>
                 <a:latin typeface="Calibri"/>
               </a:rPr>
-              <a:t>4. Create logical device</a:t>
+              <a:t>Vulkan is a platform agnostic API, Vulkan cannot interface directly with window system.</a:t>
             </a:r>
             <a:endParaRPr b="0" lang="en-US" sz="1800" spc="-1" strike="noStrike">
               <a:latin typeface="Arial"/>
@@ -5151,7 +4309,7 @@
                 </a:solidFill>
                 <a:latin typeface="Calibri"/>
               </a:rPr>
-              <a:t>5. Retrieve queue handle</a:t>
+              <a:t>Vulkan use WSI (Window System Integration) extension to present the result to the screen.</a:t>
             </a:r>
             <a:endParaRPr b="0" lang="en-US" sz="1800" spc="-1" strike="noStrike">
               <a:latin typeface="Arial"/>
@@ -5168,7 +4326,7 @@
         <p:spPr>
           <a:xfrm>
             <a:off x="0" y="764640"/>
-            <a:ext cx="9138960" cy="354960"/>
+            <a:ext cx="9138240" cy="354240"/>
           </a:xfrm>
           <a:prstGeom prst="rect">
             <a:avLst/>
@@ -5196,7 +4354,7 @@
         </p:style>
         <p:txBody>
           <a:bodyPr lIns="90000" rIns="90000" tIns="45000" bIns="45000" anchor="ctr">
-            <a:normAutofit fontScale="81000"/>
+            <a:normAutofit fontScale="96000"/>
           </a:bodyPr>
           <a:p>
             <a:pPr>
@@ -5213,7 +4371,7 @@
                 <a:latin typeface="Calibri"/>
                 <a:ea typeface="DejaVu Sans"/>
               </a:rPr>
-              <a:t>https://vulkan-tutorial.com/Drawing_a_triangle/Setup/Physical_devices_and_queue_families</a:t>
+              <a:t>https://vulkan-tutorial.com/Drawing_a_triangle/Presentation/Window_surface</a:t>
             </a:r>
             <a:endParaRPr b="0" lang="en-US" sz="1800" spc="-1" strike="noStrike">
               <a:latin typeface="Arial"/>
@@ -5235,7 +4393,7 @@
         <p:txBody>
           <a:bodyPr/>
           <a:p>
-            <a:fld id="{96C3279B-CE91-4291-BC06-1BA765666634}" type="slidenum">
+            <a:fld id="{137E6744-67D7-42A0-A7D8-DCC1CB6FC322}" type="slidenum">
               <a:t>2</a:t>
             </a:fld>
           </a:p>
@@ -5255,9 +4413,9 @@
         <p:txBody>
           <a:bodyPr/>
           <a:p>
-            <a:fld id="{D9ECF384-BD34-43A3-BBF2-412CD62F28EA}" type="datetime1">
+            <a:fld id="{2F51F6CC-DE80-4400-92C0-4674B861F5C2}" type="datetime1">
               <a:rPr lang="en-US"/>
-              <a:t>12/10/2022</a:t>
+              <a:t>12/11/2022</a:t>
             </a:fld>
           </a:p>
         </p:txBody>
@@ -5305,7 +4463,7 @@
         <p:spPr>
           <a:xfrm>
             <a:off x="0" y="2130480"/>
-            <a:ext cx="9138960" cy="1464840"/>
+            <a:ext cx="9138240" cy="1464120"/>
           </a:xfrm>
           <a:prstGeom prst="rect">
             <a:avLst/>
@@ -5335,7 +4493,7 @@
                 </a:solidFill>
                 <a:latin typeface="Calibri"/>
               </a:rPr>
-              <a:t>004.1 Introduction</a:t>
+              <a:t>005.1 Window Surface Creation</a:t>
             </a:r>
             <a:endParaRPr b="0" lang="en-US" sz="4000" spc="-1" strike="noStrike">
               <a:latin typeface="Arial"/>
@@ -5356,7 +4514,7 @@
         <p:spPr>
           <a:xfrm>
             <a:off x="3564000" y="3707280"/>
-            <a:ext cx="1608840" cy="847800"/>
+            <a:ext cx="1608120" cy="847080"/>
           </a:xfrm>
           <a:prstGeom prst="rect">
             <a:avLst/>
@@ -5380,7 +4538,7 @@
         <p:txBody>
           <a:bodyPr/>
           <a:p>
-            <a:fld id="{337864F5-62D8-43B3-AEF7-7077D55ECD8D}" type="slidenum">
+            <a:fld id="{CFAB7B8F-2431-4D04-9EBF-C043832A2728}" type="slidenum">
               <a:t>3</a:t>
             </a:fld>
           </a:p>
@@ -5400,9 +4558,9 @@
         <p:txBody>
           <a:bodyPr/>
           <a:p>
-            <a:fld id="{68D9587F-71A6-431E-90A6-4E5829914E10}" type="datetime1">
+            <a:fld id="{F11F6023-18F5-4BDD-B606-612161EAD9CB}" type="datetime1">
               <a:rPr lang="en-US"/>
-              <a:t>12/10/2022</a:t>
+              <a:t>12/11/2022</a:t>
             </a:fld>
           </a:p>
         </p:txBody>
@@ -5437,9 +4595,32 @@
           <a:chExt cx="0" cy="0"/>
         </a:xfrm>
       </p:grpSpPr>
-      <p:sp>
-        <p:nvSpPr>
-          <p:cNvPr id="49" name="PlaceHolder 1"/>
+      <p:pic>
+        <p:nvPicPr>
+          <p:cNvPr id="49" name="" descr=""/>
+          <p:cNvPicPr/>
+          <p:nvPr/>
+        </p:nvPicPr>
+        <p:blipFill>
+          <a:blip r:embed="rId1"/>
+          <a:stretch/>
+        </p:blipFill>
+        <p:spPr>
+          <a:xfrm>
+            <a:off x="457200" y="2286000"/>
+            <a:ext cx="5886000" cy="3991320"/>
+          </a:xfrm>
+          <a:prstGeom prst="rect">
+            <a:avLst/>
+          </a:prstGeom>
+          <a:ln w="0">
+            <a:noFill/>
+          </a:ln>
+        </p:spPr>
+      </p:pic>
+      <p:sp>
+        <p:nvSpPr>
+          <p:cNvPr id="50" name="PlaceHolder 1"/>
           <p:cNvSpPr>
             <a:spLocks noGrp="1"/>
           </p:cNvSpPr>
@@ -5450,7 +4631,7 @@
         <p:spPr>
           <a:xfrm>
             <a:off x="0" y="2520"/>
-            <a:ext cx="9138960" cy="759600"/>
+            <a:ext cx="9138240" cy="758880"/>
           </a:xfrm>
           <a:prstGeom prst="rect">
             <a:avLst/>
@@ -5488,7 +4669,7 @@
                 </a:solidFill>
                 <a:latin typeface="Calibri"/>
               </a:rPr>
-              <a:t>004.1 Introduction</a:t>
+              <a:t>005.1 Window Surface Creation</a:t>
             </a:r>
             <a:endParaRPr b="0" lang="en-US" sz="4000" spc="-1" strike="noStrike">
               <a:latin typeface="Arial"/>
@@ -5498,7 +4679,7 @@
       </p:sp>
       <p:sp>
         <p:nvSpPr>
-          <p:cNvPr id="50" name="PlaceHolder 2"/>
+          <p:cNvPr id="51" name="PlaceHolder 2"/>
           <p:cNvSpPr>
             <a:spLocks noGrp="1"/>
           </p:cNvSpPr>
@@ -5509,7 +4690,7 @@
         <p:spPr>
           <a:xfrm>
             <a:off x="467640" y="1371600"/>
-            <a:ext cx="8217360" cy="1600200"/>
+            <a:ext cx="8216640" cy="685800"/>
           </a:xfrm>
           <a:prstGeom prst="rect">
             <a:avLst/>
@@ -5550,7 +4731,7 @@
                 </a:solidFill>
                 <a:latin typeface="Calibri"/>
               </a:rPr>
-              <a:t>Introduction</a:t>
+              <a:t>Window Surface Creation</a:t>
             </a:r>
             <a:endParaRPr b="0" lang="en-US" sz="1800" spc="-1" strike="noStrike">
               <a:latin typeface="Arial"/>
@@ -5578,80 +4759,24 @@
                 </a:solidFill>
                 <a:latin typeface="Calibri"/>
               </a:rPr>
-              <a:t>After selecting a physical device, we need to set up a logical device. </a:t>
+              <a:t>Add surface object, surface is a window object.</a:t>
             </a:r>
             <a:endParaRPr b="0" lang="en-US" sz="1800" spc="-1" strike="noStrike">
               <a:latin typeface="Arial"/>
             </a:endParaRPr>
           </a:p>
-          <a:p>
-            <a:pPr marL="343080" indent="-343080">
-              <a:lnSpc>
-                <a:spcPct val="100000"/>
-              </a:lnSpc>
-              <a:spcBef>
-                <a:spcPts val="360"/>
-              </a:spcBef>
-              <a:buClr>
-                <a:srgbClr val="0070c0"/>
-              </a:buClr>
-              <a:buSzPct val="80000"/>
-              <a:buFont typeface="Wingdings" charset="2"/>
-              <a:buChar char=""/>
-            </a:pPr>
-            <a:r>
-              <a:rPr b="0" lang="en-US" sz="1800" spc="-1" strike="noStrike">
-                <a:solidFill>
-                  <a:srgbClr val="2d2d2d"/>
-                </a:solidFill>
-                <a:latin typeface="Calibri"/>
-              </a:rPr>
-              <a:t>We also need to specify the queues for the selected queue family. </a:t>
-            </a:r>
-            <a:endParaRPr b="0" lang="en-US" sz="1800" spc="-1" strike="noStrike">
-              <a:latin typeface="Arial"/>
-            </a:endParaRPr>
-          </a:p>
-          <a:p>
-            <a:pPr marL="343080" indent="-343080">
-              <a:lnSpc>
-                <a:spcPct val="100000"/>
-              </a:lnSpc>
-              <a:spcBef>
-                <a:spcPts val="360"/>
-              </a:spcBef>
-              <a:buClr>
-                <a:srgbClr val="0070c0"/>
-              </a:buClr>
-              <a:buSzPct val="80000"/>
-              <a:buFont typeface="Wingdings" charset="2"/>
-              <a:buChar char=""/>
-            </a:pPr>
-            <a:r>
-              <a:rPr b="0" lang="en-US" sz="1800" spc="-1" strike="noStrike">
-                <a:solidFill>
-                  <a:srgbClr val="2d2d2d"/>
-                </a:solidFill>
-                <a:latin typeface="Calibri"/>
-              </a:rPr>
-              <a:t>You can create multiple logical devices from the same physical device.</a:t>
-            </a:r>
-            <a:endParaRPr b="0" lang="en-US" sz="1800" spc="-1" strike="noStrike">
-              <a:latin typeface="Arial"/>
-            </a:endParaRPr>
-          </a:p>
-        </p:txBody>
-      </p:sp>
-      <p:sp>
-        <p:nvSpPr>
-          <p:cNvPr id="51" name="標題 6"/>
+        </p:txBody>
+      </p:sp>
+      <p:sp>
+        <p:nvSpPr>
+          <p:cNvPr id="52" name="標題 6"/>
           <p:cNvSpPr/>
           <p:nvPr/>
         </p:nvSpPr>
         <p:spPr>
           <a:xfrm>
             <a:off x="0" y="764640"/>
-            <a:ext cx="9138960" cy="354960"/>
+            <a:ext cx="9138240" cy="354240"/>
           </a:xfrm>
           <a:prstGeom prst="rect">
             <a:avLst/>
@@ -5679,7 +4804,7 @@
         </p:style>
         <p:txBody>
           <a:bodyPr lIns="90000" rIns="90000" tIns="45000" bIns="45000" anchor="ctr">
-            <a:normAutofit fontScale="81000"/>
+            <a:normAutofit fontScale="96000"/>
           </a:bodyPr>
           <a:p>
             <a:pPr>
@@ -5696,7 +4821,7 @@
                 <a:latin typeface="Calibri"/>
                 <a:ea typeface="DejaVu Sans"/>
               </a:rPr>
-              <a:t>https://vulkan-tutorial.com/Drawing_a_triangle/Setup/Physical_devices_and_queue_families</a:t>
+              <a:t>https://vulkan-tutorial.com/Drawing_a_triangle/Presentation/Window_surface</a:t>
             </a:r>
             <a:endParaRPr b="0" lang="en-US" sz="1800" spc="-1" strike="noStrike">
               <a:latin typeface="Arial"/>
@@ -5704,29 +4829,6 @@
           </a:p>
         </p:txBody>
       </p:sp>
-      <p:pic>
-        <p:nvPicPr>
-          <p:cNvPr id="52" name="" descr=""/>
-          <p:cNvPicPr/>
-          <p:nvPr/>
-        </p:nvPicPr>
-        <p:blipFill>
-          <a:blip r:embed="rId1"/>
-          <a:stretch/>
-        </p:blipFill>
-        <p:spPr>
-          <a:xfrm>
-            <a:off x="1828800" y="2543400"/>
-            <a:ext cx="6629400" cy="4086000"/>
-          </a:xfrm>
-          <a:prstGeom prst="rect">
-            <a:avLst/>
-          </a:prstGeom>
-          <a:ln w="0">
-            <a:noFill/>
-          </a:ln>
-        </p:spPr>
-      </p:pic>
       <p:sp>
         <p:nvSpPr>
           <p:cNvPr id="53" name=""/>
@@ -5735,8 +4837,8 @@
         </p:nvSpPr>
         <p:spPr>
           <a:xfrm>
-            <a:off x="2743200" y="3324240"/>
-            <a:ext cx="1371600" cy="176760"/>
+            <a:off x="1372320" y="4272480"/>
+            <a:ext cx="1599480" cy="176040"/>
           </a:xfrm>
           <a:prstGeom prst="rect">
             <a:avLst/>
@@ -5755,16 +4857,39 @@
           <a:fontRef idx="minor"/>
         </p:style>
       </p:sp>
-      <p:sp>
-        <p:nvSpPr>
-          <p:cNvPr id="54" name=""/>
+      <p:pic>
+        <p:nvPicPr>
+          <p:cNvPr id="54" name="" descr=""/>
+          <p:cNvPicPr/>
+          <p:nvPr/>
+        </p:nvPicPr>
+        <p:blipFill>
+          <a:blip r:embed="rId2"/>
+          <a:stretch/>
+        </p:blipFill>
+        <p:spPr>
+          <a:xfrm>
+            <a:off x="5058000" y="2352960"/>
+            <a:ext cx="4314600" cy="2676240"/>
+          </a:xfrm>
+          <a:prstGeom prst="rect">
+            <a:avLst/>
+          </a:prstGeom>
+          <a:ln w="0">
+            <a:noFill/>
+          </a:ln>
+        </p:spPr>
+      </p:pic>
+      <p:sp>
+        <p:nvSpPr>
+          <p:cNvPr id="55" name=""/>
           <p:cNvSpPr/>
           <p:nvPr/>
         </p:nvSpPr>
         <p:spPr>
           <a:xfrm>
-            <a:off x="2971800" y="5574240"/>
-            <a:ext cx="1600200" cy="176760"/>
+            <a:off x="5943600" y="3200400"/>
+            <a:ext cx="2286000" cy="228600"/>
           </a:xfrm>
           <a:prstGeom prst="rect">
             <a:avLst/>
@@ -5797,7 +4922,7 @@
         <p:txBody>
           <a:bodyPr/>
           <a:p>
-            <a:fld id="{4708B692-6B6C-4762-89F3-D8467E8E7341}" type="slidenum">
+            <a:fld id="{5D0C9276-429A-418D-858E-04BF74DB45D1}" type="slidenum">
               <a:t>4</a:t>
             </a:fld>
           </a:p>
@@ -5817,9 +4942,9 @@
         <p:txBody>
           <a:bodyPr/>
           <a:p>
-            <a:fld id="{98EF826B-F21D-4091-AB9D-EE43F771CD55}" type="datetime1">
+            <a:fld id="{3D15D3BF-233D-49EE-A395-3BDF1524155E}" type="datetime1">
               <a:rPr lang="en-US"/>
-              <a:t>12/10/2022</a:t>
+              <a:t>12/11/2022</a:t>
             </a:fld>
           </a:p>
         </p:txBody>
@@ -5854,60 +4979,9 @@
           <a:chExt cx="0" cy="0"/>
         </a:xfrm>
       </p:grpSpPr>
-      <p:sp>
-        <p:nvSpPr>
-          <p:cNvPr id="55" name="PlaceHolder 1"/>
-          <p:cNvSpPr>
-            <a:spLocks noGrp="1"/>
-          </p:cNvSpPr>
-          <p:nvPr>
-            <p:ph type="title"/>
-          </p:nvPr>
-        </p:nvSpPr>
-        <p:spPr>
-          <a:xfrm>
-            <a:off x="0" y="2130480"/>
-            <a:ext cx="9138960" cy="1464840"/>
-          </a:xfrm>
-          <a:prstGeom prst="rect">
-            <a:avLst/>
-          </a:prstGeom>
-          <a:solidFill>
-            <a:srgbClr val="00b0f0"/>
-          </a:solidFill>
-          <a:ln w="0">
-            <a:noFill/>
-          </a:ln>
-        </p:spPr>
-        <p:txBody>
-          <a:bodyPr lIns="0" rIns="0" tIns="0" bIns="0" anchor="ctr">
-            <a:normAutofit/>
-          </a:bodyPr>
-          <a:p>
-            <a:pPr algn="ctr">
-              <a:lnSpc>
-                <a:spcPct val="100000"/>
-              </a:lnSpc>
-              <a:buNone/>
-            </a:pPr>
-            <a:r>
-              <a:rPr b="1" lang="en-US" sz="4000" spc="-1" strike="noStrike">
-                <a:solidFill>
-                  <a:srgbClr val="ffff00"/>
-                </a:solidFill>
-                <a:latin typeface="Calibri"/>
-              </a:rPr>
-              <a:t>004.2 Specify Queue</a:t>
-            </a:r>
-            <a:endParaRPr b="0" lang="en-US" sz="4000" spc="-1" strike="noStrike">
-              <a:latin typeface="Arial"/>
-            </a:endParaRPr>
-          </a:p>
-        </p:txBody>
-      </p:sp>
       <p:pic>
         <p:nvPicPr>
-          <p:cNvPr id="56" name="Picture 3" descr="Image result for google vulkan logo"/>
+          <p:cNvPr id="56" name="" descr=""/>
           <p:cNvPicPr/>
           <p:nvPr/>
         </p:nvPicPr>
@@ -5917,8 +4991,8 @@
         </p:blipFill>
         <p:spPr>
           <a:xfrm>
-            <a:off x="3564000" y="3707280"/>
-            <a:ext cx="1608840" cy="847800"/>
+            <a:off x="457200" y="2057400"/>
+            <a:ext cx="6629400" cy="4578120"/>
           </a:xfrm>
           <a:prstGeom prst="rect">
             <a:avLst/>
@@ -5930,7 +5004,297 @@
       </p:pic>
       <p:sp>
         <p:nvSpPr>
-          <p:cNvPr id="3" name="PlaceHolder 2"/>
+          <p:cNvPr id="57" name="PlaceHolder 1"/>
+          <p:cNvSpPr>
+            <a:spLocks noGrp="1"/>
+          </p:cNvSpPr>
+          <p:nvPr>
+            <p:ph type="title"/>
+          </p:nvPr>
+        </p:nvSpPr>
+        <p:spPr>
+          <a:xfrm>
+            <a:off x="0" y="2520"/>
+            <a:ext cx="9138240" cy="758880"/>
+          </a:xfrm>
+          <a:prstGeom prst="rect">
+            <a:avLst/>
+          </a:prstGeom>
+          <a:gradFill rotWithShape="0">
+            <a:gsLst>
+              <a:gs pos="0">
+                <a:srgbClr val="bf0000"/>
+              </a:gs>
+              <a:gs pos="100000">
+                <a:srgbClr val="710000"/>
+              </a:gs>
+            </a:gsLst>
+            <a:lin ang="8100000"/>
+          </a:gradFill>
+          <a:ln w="0">
+            <a:noFill/>
+          </a:ln>
+        </p:spPr>
+        <p:txBody>
+          <a:bodyPr lIns="0" rIns="0" tIns="0" bIns="0" anchor="ctr">
+            <a:normAutofit/>
+          </a:bodyPr>
+          <a:p>
+            <a:pPr>
+              <a:lnSpc>
+                <a:spcPct val="100000"/>
+              </a:lnSpc>
+              <a:buNone/>
+            </a:pPr>
+            <a:r>
+              <a:rPr b="1" lang="en-US" sz="4000" spc="-1" strike="noStrike">
+                <a:solidFill>
+                  <a:srgbClr val="ffff00"/>
+                </a:solidFill>
+                <a:latin typeface="Calibri"/>
+              </a:rPr>
+              <a:t>005.1 Window Surface Creation</a:t>
+            </a:r>
+            <a:endParaRPr b="0" lang="en-US" sz="4000" spc="-1" strike="noStrike">
+              <a:latin typeface="Arial"/>
+            </a:endParaRPr>
+          </a:p>
+        </p:txBody>
+      </p:sp>
+      <p:sp>
+        <p:nvSpPr>
+          <p:cNvPr id="58" name="PlaceHolder 2"/>
+          <p:cNvSpPr>
+            <a:spLocks noGrp="1"/>
+          </p:cNvSpPr>
+          <p:nvPr>
+            <p:ph type="subTitle"/>
+          </p:nvPr>
+        </p:nvSpPr>
+        <p:spPr>
+          <a:xfrm>
+            <a:off x="467640" y="1371600"/>
+            <a:ext cx="8216640" cy="685800"/>
+          </a:xfrm>
+          <a:prstGeom prst="rect">
+            <a:avLst/>
+          </a:prstGeom>
+          <a:solidFill>
+            <a:srgbClr val="ffffff"/>
+          </a:solidFill>
+          <a:ln w="25560">
+            <a:solidFill>
+              <a:srgbClr val="c00000"/>
+            </a:solidFill>
+            <a:round/>
+          </a:ln>
+        </p:spPr>
+        <p:txBody>
+          <a:bodyPr lIns="0" rIns="0" tIns="0" bIns="0" anchor="t">
+            <a:noAutofit/>
+          </a:bodyPr>
+          <a:p>
+            <a:pPr marL="343080" indent="-343080">
+              <a:lnSpc>
+                <a:spcPct val="100000"/>
+              </a:lnSpc>
+              <a:spcBef>
+                <a:spcPts val="360"/>
+              </a:spcBef>
+              <a:buClr>
+                <a:srgbClr val="0070c0"/>
+              </a:buClr>
+              <a:buSzPct val="80000"/>
+              <a:buFont typeface="Wingdings" charset="2"/>
+              <a:buChar char=""/>
+            </a:pPr>
+            <a:r>
+              <a:rPr b="1" lang="en-US" sz="1800" spc="-1" strike="noStrike">
+                <a:solidFill>
+                  <a:srgbClr val="2d2d2d"/>
+                </a:solidFill>
+                <a:latin typeface="Calibri"/>
+              </a:rPr>
+              <a:t>Window Surface Creation</a:t>
+            </a:r>
+            <a:endParaRPr b="0" lang="en-US" sz="1800" spc="-1" strike="noStrike">
+              <a:latin typeface="Arial"/>
+            </a:endParaRPr>
+          </a:p>
+          <a:p>
+            <a:pPr marL="343080" indent="-343080">
+              <a:lnSpc>
+                <a:spcPct val="100000"/>
+              </a:lnSpc>
+              <a:spcBef>
+                <a:spcPts val="360"/>
+              </a:spcBef>
+              <a:buClr>
+                <a:srgbClr val="0070c0"/>
+              </a:buClr>
+              <a:buSzPct val="80000"/>
+              <a:buFont typeface="Wingdings" charset="2"/>
+              <a:buChar char=""/>
+            </a:pPr>
+            <a:r>
+              <a:rPr b="0" lang="en-US" sz="1800" spc="-1" strike="noStrike">
+                <a:solidFill>
+                  <a:srgbClr val="2d2d2d"/>
+                </a:solidFill>
+                <a:latin typeface="Calibri"/>
+              </a:rPr>
+              <a:t>Add surface object, surface is a window object.</a:t>
+            </a:r>
+            <a:endParaRPr b="0" lang="en-US" sz="1800" spc="-1" strike="noStrike">
+              <a:latin typeface="Arial"/>
+            </a:endParaRPr>
+          </a:p>
+        </p:txBody>
+      </p:sp>
+      <p:sp>
+        <p:nvSpPr>
+          <p:cNvPr id="59" name="標題 1"/>
+          <p:cNvSpPr/>
+          <p:nvPr/>
+        </p:nvSpPr>
+        <p:spPr>
+          <a:xfrm>
+            <a:off x="0" y="764640"/>
+            <a:ext cx="9138240" cy="354240"/>
+          </a:xfrm>
+          <a:prstGeom prst="rect">
+            <a:avLst/>
+          </a:prstGeom>
+          <a:gradFill rotWithShape="0">
+            <a:gsLst>
+              <a:gs pos="0">
+                <a:srgbClr val="00afef"/>
+              </a:gs>
+              <a:gs pos="100000">
+                <a:srgbClr val="00688e"/>
+              </a:gs>
+            </a:gsLst>
+            <a:lin ang="8100000"/>
+          </a:gradFill>
+          <a:ln w="0">
+            <a:noFill/>
+          </a:ln>
+        </p:spPr>
+        <p:style>
+          <a:lnRef idx="0"/>
+          <a:fillRef idx="0"/>
+          <a:effectRef idx="0"/>
+          <a:fontRef idx="minor"/>
+        </p:style>
+        <p:txBody>
+          <a:bodyPr lIns="90000" rIns="90000" tIns="45000" bIns="45000" anchor="ctr">
+            <a:normAutofit fontScale="96000"/>
+          </a:bodyPr>
+          <a:p>
+            <a:pPr>
+              <a:lnSpc>
+                <a:spcPct val="100000"/>
+              </a:lnSpc>
+              <a:buNone/>
+            </a:pPr>
+            <a:r>
+              <a:rPr b="0" lang="en-US" sz="1800" spc="-1" strike="noStrike">
+                <a:solidFill>
+                  <a:srgbClr val="000000"/>
+                </a:solidFill>
+                <a:latin typeface="Calibri"/>
+                <a:ea typeface="DejaVu Sans"/>
+              </a:rPr>
+              <a:t>https://vulkan-tutorial.com/Drawing_a_triangle/Presentation/Window_surface</a:t>
+            </a:r>
+            <a:endParaRPr b="0" lang="en-US" sz="1800" spc="-1" strike="noStrike">
+              <a:latin typeface="Arial"/>
+            </a:endParaRPr>
+          </a:p>
+        </p:txBody>
+      </p:sp>
+      <p:sp>
+        <p:nvSpPr>
+          <p:cNvPr id="60" name=""/>
+          <p:cNvSpPr/>
+          <p:nvPr/>
+        </p:nvSpPr>
+        <p:spPr>
+          <a:xfrm>
+            <a:off x="1600920" y="5538960"/>
+            <a:ext cx="1599480" cy="176040"/>
+          </a:xfrm>
+          <a:prstGeom prst="rect">
+            <a:avLst/>
+          </a:prstGeom>
+          <a:noFill/>
+          <a:ln w="0">
+            <a:solidFill>
+              <a:srgbClr val="bf0041"/>
+            </a:solidFill>
+          </a:ln>
+        </p:spPr>
+        <p:style>
+          <a:lnRef idx="0"/>
+          <a:fillRef idx="0"/>
+          <a:effectRef idx="0"/>
+          <a:fontRef idx="minor"/>
+        </p:style>
+      </p:sp>
+      <p:pic>
+        <p:nvPicPr>
+          <p:cNvPr id="61" name="" descr=""/>
+          <p:cNvPicPr/>
+          <p:nvPr/>
+        </p:nvPicPr>
+        <p:blipFill>
+          <a:blip r:embed="rId2"/>
+          <a:stretch/>
+        </p:blipFill>
+        <p:spPr>
+          <a:xfrm>
+            <a:off x="3200760" y="3270960"/>
+            <a:ext cx="5943240" cy="1986840"/>
+          </a:xfrm>
+          <a:prstGeom prst="rect">
+            <a:avLst/>
+          </a:prstGeom>
+          <a:ln w="0">
+            <a:noFill/>
+          </a:ln>
+        </p:spPr>
+      </p:pic>
+      <p:sp>
+        <p:nvSpPr>
+          <p:cNvPr id="62" name=""/>
+          <p:cNvSpPr/>
+          <p:nvPr/>
+        </p:nvSpPr>
+        <p:spPr>
+          <a:xfrm>
+            <a:off x="3886920" y="4114800"/>
+            <a:ext cx="4799880" cy="685800"/>
+          </a:xfrm>
+          <a:prstGeom prst="rect">
+            <a:avLst/>
+          </a:prstGeom>
+          <a:noFill/>
+          <a:ln w="0">
+            <a:solidFill>
+              <a:srgbClr val="bf0041"/>
+            </a:solidFill>
+          </a:ln>
+        </p:spPr>
+        <p:style>
+          <a:lnRef idx="0"/>
+          <a:fillRef idx="0"/>
+          <a:effectRef idx="0"/>
+          <a:fontRef idx="minor"/>
+        </p:style>
+      </p:sp>
+      <p:sp>
+        <p:nvSpPr>
+          <p:cNvPr id="4" name="PlaceHolder 3"/>
           <p:cNvSpPr>
             <a:spLocks noGrp="1"/>
           </p:cNvSpPr>
@@ -5942,7 +5306,7 @@
         <p:txBody>
           <a:bodyPr/>
           <a:p>
-            <a:fld id="{0927C991-67C9-4F42-AC36-4538CF6549E9}" type="slidenum">
+            <a:fld id="{8D2888B6-1528-4B2B-B367-5248BAFDCFFD}" type="slidenum">
               <a:t>5</a:t>
             </a:fld>
           </a:p>
@@ -5950,7 +5314,7 @@
       </p:sp>
       <p:sp>
         <p:nvSpPr>
-          <p:cNvPr id="4" name="PlaceHolder 3"/>
+          <p:cNvPr id="5" name="PlaceHolder 4"/>
           <p:cNvSpPr>
             <a:spLocks noGrp="1"/>
           </p:cNvSpPr>
@@ -5962,9 +5326,9 @@
         <p:txBody>
           <a:bodyPr/>
           <a:p>
-            <a:fld id="{8F5ECE50-7180-4464-9DD0-5E43D9F33256}" type="datetime1">
+            <a:fld id="{78F48CDE-66E8-43C2-9060-3FAC6403C17E}" type="datetime1">
               <a:rPr lang="en-US"/>
-              <a:t>12/10/2022</a:t>
+              <a:t>12/11/2022</a:t>
             </a:fld>
           </a:p>
         </p:txBody>
@@ -6001,7 +5365,7 @@
       </p:grpSpPr>
       <p:pic>
         <p:nvPicPr>
-          <p:cNvPr id="57" name="" descr=""/>
+          <p:cNvPr id="63" name="" descr=""/>
           <p:cNvPicPr/>
           <p:nvPr/>
         </p:nvPicPr>
@@ -6011,8 +5375,8 @@
         </p:blipFill>
         <p:spPr>
           <a:xfrm>
-            <a:off x="2880720" y="2039400"/>
-            <a:ext cx="5806080" cy="4590000"/>
+            <a:off x="228600" y="2229840"/>
+            <a:ext cx="9143640" cy="3713760"/>
           </a:xfrm>
           <a:prstGeom prst="rect">
             <a:avLst/>
@@ -6024,7 +5388,7 @@
       </p:pic>
       <p:sp>
         <p:nvSpPr>
-          <p:cNvPr id="58" name="PlaceHolder 1"/>
+          <p:cNvPr id="64" name="PlaceHolder 1"/>
           <p:cNvSpPr>
             <a:spLocks noGrp="1"/>
           </p:cNvSpPr>
@@ -6035,7 +5399,7 @@
         <p:spPr>
           <a:xfrm>
             <a:off x="0" y="2520"/>
-            <a:ext cx="9138960" cy="759600"/>
+            <a:ext cx="9138240" cy="758880"/>
           </a:xfrm>
           <a:prstGeom prst="rect">
             <a:avLst/>
@@ -6073,7 +5437,16 @@
                 </a:solidFill>
                 <a:latin typeface="Calibri"/>
               </a:rPr>
-              <a:t>004.2 Specify Queue</a:t>
+              <a:t>005.1 Window Surface </a:t>
+            </a:r>
+            <a:r>
+              <a:rPr b="1" lang="en-US" sz="4000" spc="-1" strike="noStrike">
+                <a:solidFill>
+                  <a:srgbClr val="ffff00"/>
+                </a:solidFill>
+                <a:latin typeface="Calibri"/>
+              </a:rPr>
+              <a:t>Creation</a:t>
             </a:r>
             <a:endParaRPr b="0" lang="en-US" sz="4000" spc="-1" strike="noStrike">
               <a:latin typeface="Arial"/>
@@ -6083,7 +5456,7 @@
       </p:sp>
       <p:sp>
         <p:nvSpPr>
-          <p:cNvPr id="59" name="PlaceHolder 2"/>
+          <p:cNvPr id="65" name="PlaceHolder 2"/>
           <p:cNvSpPr>
             <a:spLocks noGrp="1"/>
           </p:cNvSpPr>
@@ -6094,12 +5467,14 @@
         <p:spPr>
           <a:xfrm>
             <a:off x="467640" y="1371600"/>
-            <a:ext cx="8217360" cy="667800"/>
-          </a:xfrm>
-          <a:prstGeom prst="rect">
-            <a:avLst/>
-          </a:prstGeom>
-          <a:noFill/>
+            <a:ext cx="8216640" cy="685800"/>
+          </a:xfrm>
+          <a:prstGeom prst="rect">
+            <a:avLst/>
+          </a:prstGeom>
+          <a:solidFill>
+            <a:srgbClr val="ffffff"/>
+          </a:solidFill>
           <a:ln w="25560">
             <a:solidFill>
               <a:srgbClr val="c00000"/>
@@ -6133,7 +5508,7 @@
                 </a:solidFill>
                 <a:latin typeface="Calibri"/>
               </a:rPr>
-              <a:t>Specify Data Structure for Queue</a:t>
+              <a:t>Window Surface Creation</a:t>
             </a:r>
             <a:endParaRPr b="0" lang="en-US" sz="1800" spc="-1" strike="noStrike">
               <a:latin typeface="Arial"/>
@@ -6161,7 +5536,7 @@
                 </a:solidFill>
                 <a:latin typeface="Calibri"/>
               </a:rPr>
-              <a:t>We specify the data structure for queue.</a:t>
+              <a:t>Destroy surface.</a:t>
             </a:r>
             <a:endParaRPr b="0" lang="en-US" sz="1800" spc="-1" strike="noStrike">
               <a:latin typeface="Arial"/>
@@ -6171,14 +5546,14 @@
       </p:sp>
       <p:sp>
         <p:nvSpPr>
-          <p:cNvPr id="60" name="標題 1"/>
+          <p:cNvPr id="66" name="標題 2"/>
           <p:cNvSpPr/>
           <p:nvPr/>
         </p:nvSpPr>
         <p:spPr>
           <a:xfrm>
             <a:off x="0" y="764640"/>
-            <a:ext cx="9138960" cy="354960"/>
+            <a:ext cx="9138240" cy="354240"/>
           </a:xfrm>
           <a:prstGeom prst="rect">
             <a:avLst/>
@@ -6206,7 +5581,7 @@
         </p:style>
         <p:txBody>
           <a:bodyPr lIns="90000" rIns="90000" tIns="45000" bIns="45000" anchor="ctr">
-            <a:normAutofit fontScale="81000"/>
+            <a:normAutofit fontScale="96000"/>
           </a:bodyPr>
           <a:p>
             <a:pPr>
@@ -6223,7 +5598,7 @@
                 <a:latin typeface="Calibri"/>
                 <a:ea typeface="DejaVu Sans"/>
               </a:rPr>
-              <a:t>https://vulkan-tutorial.com/Drawing_a_triangle/Setup/Physical_devices_and_queue_families</a:t>
+              <a:t>https://vulkan-tutorial.com/Drawing_a_triangle/Presentation/Window_surface</a:t>
             </a:r>
             <a:endParaRPr b="0" lang="en-US" sz="1800" spc="-1" strike="noStrike">
               <a:latin typeface="Arial"/>
@@ -6233,14 +5608,14 @@
       </p:sp>
       <p:sp>
         <p:nvSpPr>
-          <p:cNvPr id="61" name=""/>
+          <p:cNvPr id="67" name=""/>
           <p:cNvSpPr/>
           <p:nvPr/>
         </p:nvSpPr>
         <p:spPr>
           <a:xfrm>
-            <a:off x="3657600" y="2566440"/>
-            <a:ext cx="4114800" cy="1091160"/>
+            <a:off x="1600200" y="4114800"/>
+            <a:ext cx="4799880" cy="457200"/>
           </a:xfrm>
           <a:prstGeom prst="rect">
             <a:avLst/>
@@ -6273,7 +5648,7 @@
         <p:txBody>
           <a:bodyPr/>
           <a:p>
-            <a:fld id="{4ACE343F-7EE0-4B60-A55D-E543FEB21F26}" type="slidenum">
+            <a:fld id="{D87E12A2-013C-466B-B5FD-2B77139D5489}" type="slidenum">
               <a:t>6</a:t>
             </a:fld>
           </a:p>
@@ -6293,9 +5668,9 @@
         <p:txBody>
           <a:bodyPr/>
           <a:p>
-            <a:fld id="{A8A15130-A8BE-46B2-AAB1-E8576E12A362}" type="datetime1">
+            <a:fld id="{2B6FCB42-FBEB-4452-B837-FFAE13C7182A}" type="datetime1">
               <a:rPr lang="en-US"/>
-              <a:t>12/10/2022</a:t>
+              <a:t>12/11/2022</a:t>
             </a:fld>
           </a:p>
         </p:txBody>
@@ -6332,7 +5707,7 @@
       </p:grpSpPr>
       <p:sp>
         <p:nvSpPr>
-          <p:cNvPr id="62" name="PlaceHolder 1"/>
+          <p:cNvPr id="68" name="PlaceHolder 1"/>
           <p:cNvSpPr>
             <a:spLocks noGrp="1"/>
           </p:cNvSpPr>
@@ -6343,7 +5718,7 @@
         <p:spPr>
           <a:xfrm>
             <a:off x="0" y="2130480"/>
-            <a:ext cx="9138960" cy="1464840"/>
+            <a:ext cx="9138240" cy="1464120"/>
           </a:xfrm>
           <a:prstGeom prst="rect">
             <a:avLst/>
@@ -6367,258 +5742,15 @@
               <a:buNone/>
             </a:pPr>
             <a:r>
-              <a:rPr b="1" lang="en-US" sz="4000" spc="-1" strike="noStrike">
+              <a:rPr b="1" lang="en-US" sz="3600" spc="-1" strike="noStrike">
                 <a:solidFill>
                   <a:srgbClr val="ffff00"/>
                 </a:solidFill>
                 <a:latin typeface="Calibri"/>
               </a:rPr>
-              <a:t>0</a:t>
-            </a:r>
-            <a:r>
-              <a:rPr b="1" lang="en-US" sz="4000" spc="-1" strike="noStrike">
-                <a:solidFill>
-                  <a:srgbClr val="ffff00"/>
-                </a:solidFill>
-                <a:latin typeface="Calibri"/>
-              </a:rPr>
-              <a:t>0</a:t>
-            </a:r>
-            <a:r>
-              <a:rPr b="1" lang="en-US" sz="4000" spc="-1" strike="noStrike">
-                <a:solidFill>
-                  <a:srgbClr val="ffff00"/>
-                </a:solidFill>
-                <a:latin typeface="Calibri"/>
-              </a:rPr>
-              <a:t>4</a:t>
-            </a:r>
-            <a:r>
-              <a:rPr b="1" lang="en-US" sz="4000" spc="-1" strike="noStrike">
-                <a:solidFill>
-                  <a:srgbClr val="ffff00"/>
-                </a:solidFill>
-                <a:latin typeface="Calibri"/>
-              </a:rPr>
-              <a:t>.</a:t>
-            </a:r>
-            <a:r>
-              <a:rPr b="1" lang="en-US" sz="4000" spc="-1" strike="noStrike">
-                <a:solidFill>
-                  <a:srgbClr val="ffff00"/>
-                </a:solidFill>
-                <a:latin typeface="Calibri"/>
-              </a:rPr>
-              <a:t>3</a:t>
-            </a:r>
-            <a:r>
-              <a:rPr b="1" lang="en-US" sz="4000" spc="-1" strike="noStrike">
-                <a:solidFill>
-                  <a:srgbClr val="ffff00"/>
-                </a:solidFill>
-                <a:latin typeface="Calibri"/>
-              </a:rPr>
-              <a:t> </a:t>
-            </a:r>
-            <a:r>
-              <a:rPr b="1" lang="en-US" sz="4000" spc="-1" strike="noStrike">
-                <a:solidFill>
-                  <a:srgbClr val="ffff00"/>
-                </a:solidFill>
-                <a:latin typeface="Calibri"/>
-              </a:rPr>
-              <a:t>S</a:t>
-            </a:r>
-            <a:r>
-              <a:rPr b="1" lang="en-US" sz="4000" spc="-1" strike="noStrike">
-                <a:solidFill>
-                  <a:srgbClr val="ffff00"/>
-                </a:solidFill>
-                <a:latin typeface="Calibri"/>
-              </a:rPr>
-              <a:t>p</a:t>
-            </a:r>
-            <a:r>
-              <a:rPr b="1" lang="en-US" sz="4000" spc="-1" strike="noStrike">
-                <a:solidFill>
-                  <a:srgbClr val="ffff00"/>
-                </a:solidFill>
-                <a:latin typeface="Calibri"/>
-              </a:rPr>
-              <a:t>e</a:t>
-            </a:r>
-            <a:r>
-              <a:rPr b="1" lang="en-US" sz="4000" spc="-1" strike="noStrike">
-                <a:solidFill>
-                  <a:srgbClr val="ffff00"/>
-                </a:solidFill>
-                <a:latin typeface="Calibri"/>
-              </a:rPr>
-              <a:t>c</a:t>
-            </a:r>
-            <a:r>
-              <a:rPr b="1" lang="en-US" sz="4000" spc="-1" strike="noStrike">
-                <a:solidFill>
-                  <a:srgbClr val="ffff00"/>
-                </a:solidFill>
-                <a:latin typeface="Calibri"/>
-              </a:rPr>
-              <a:t>i</a:t>
-            </a:r>
-            <a:r>
-              <a:rPr b="1" lang="en-US" sz="4000" spc="-1" strike="noStrike">
-                <a:solidFill>
-                  <a:srgbClr val="ffff00"/>
-                </a:solidFill>
-                <a:latin typeface="Calibri"/>
-              </a:rPr>
-              <a:t>f</a:t>
-            </a:r>
-            <a:r>
-              <a:rPr b="1" lang="en-US" sz="4000" spc="-1" strike="noStrike">
-                <a:solidFill>
-                  <a:srgbClr val="ffff00"/>
-                </a:solidFill>
-                <a:latin typeface="Calibri"/>
-              </a:rPr>
-              <a:t>y</a:t>
-            </a:r>
-            <a:r>
-              <a:rPr b="1" lang="en-US" sz="4000" spc="-1" strike="noStrike">
-                <a:solidFill>
-                  <a:srgbClr val="ffff00"/>
-                </a:solidFill>
-                <a:latin typeface="Calibri"/>
-              </a:rPr>
-              <a:t> </a:t>
-            </a:r>
-            <a:r>
-              <a:rPr b="1" lang="en-US" sz="4000" spc="-1" strike="noStrike">
-                <a:solidFill>
-                  <a:srgbClr val="ffff00"/>
-                </a:solidFill>
-                <a:latin typeface="Calibri"/>
-              </a:rPr>
-              <a:t>D</a:t>
-            </a:r>
-            <a:r>
-              <a:rPr b="1" lang="en-US" sz="4000" spc="-1" strike="noStrike">
-                <a:solidFill>
-                  <a:srgbClr val="ffff00"/>
-                </a:solidFill>
-                <a:latin typeface="Calibri"/>
-              </a:rPr>
-              <a:t>e</a:t>
-            </a:r>
-            <a:r>
-              <a:rPr b="1" lang="en-US" sz="4000" spc="-1" strike="noStrike">
-                <a:solidFill>
-                  <a:srgbClr val="ffff00"/>
-                </a:solidFill>
-                <a:latin typeface="Calibri"/>
-              </a:rPr>
-              <a:t>v</a:t>
-            </a:r>
-            <a:r>
-              <a:rPr b="1" lang="en-US" sz="4000" spc="-1" strike="noStrike">
-                <a:solidFill>
-                  <a:srgbClr val="ffff00"/>
-                </a:solidFill>
-                <a:latin typeface="Calibri"/>
-              </a:rPr>
-              <a:t>i</a:t>
-            </a:r>
-            <a:r>
-              <a:rPr b="1" lang="en-US" sz="4000" spc="-1" strike="noStrike">
-                <a:solidFill>
-                  <a:srgbClr val="ffff00"/>
-                </a:solidFill>
-                <a:latin typeface="Calibri"/>
-              </a:rPr>
-              <a:t>c</a:t>
-            </a:r>
-            <a:r>
-              <a:rPr b="1" lang="en-US" sz="4000" spc="-1" strike="noStrike">
-                <a:solidFill>
-                  <a:srgbClr val="ffff00"/>
-                </a:solidFill>
-                <a:latin typeface="Calibri"/>
-              </a:rPr>
-              <a:t>e</a:t>
-            </a:r>
-            <a:r>
-              <a:rPr b="1" lang="en-US" sz="4000" spc="-1" strike="noStrike">
-                <a:solidFill>
-                  <a:srgbClr val="ffff00"/>
-                </a:solidFill>
-                <a:latin typeface="Calibri"/>
-              </a:rPr>
-              <a:t> </a:t>
-            </a:r>
-            <a:r>
-              <a:rPr b="1" lang="en-US" sz="4000" spc="-1" strike="noStrike">
-                <a:solidFill>
-                  <a:srgbClr val="ffff00"/>
-                </a:solidFill>
-                <a:latin typeface="Calibri"/>
-              </a:rPr>
-              <a:t>F</a:t>
-            </a:r>
-            <a:r>
-              <a:rPr b="1" lang="en-US" sz="4000" spc="-1" strike="noStrike">
-                <a:solidFill>
-                  <a:srgbClr val="ffff00"/>
-                </a:solidFill>
-                <a:latin typeface="Calibri"/>
-              </a:rPr>
-              <a:t>e</a:t>
-            </a:r>
-            <a:r>
-              <a:rPr b="1" lang="en-US" sz="4000" spc="-1" strike="noStrike">
-                <a:solidFill>
-                  <a:srgbClr val="ffff00"/>
-                </a:solidFill>
-                <a:latin typeface="Calibri"/>
-              </a:rPr>
-              <a:t>a</a:t>
-            </a:r>
-            <a:r>
-              <a:rPr b="1" lang="en-US" sz="4000" spc="-1" strike="noStrike">
-                <a:solidFill>
-                  <a:srgbClr val="ffff00"/>
-                </a:solidFill>
-                <a:latin typeface="Calibri"/>
-              </a:rPr>
-              <a:t>t</a:t>
-            </a:r>
-            <a:r>
-              <a:rPr b="1" lang="en-US" sz="4000" spc="-1" strike="noStrike">
-                <a:solidFill>
-                  <a:srgbClr val="ffff00"/>
-                </a:solidFill>
-                <a:latin typeface="Calibri"/>
-              </a:rPr>
-              <a:t>u</a:t>
-            </a:r>
-            <a:r>
-              <a:rPr b="1" lang="en-US" sz="4000" spc="-1" strike="noStrike">
-                <a:solidFill>
-                  <a:srgbClr val="ffff00"/>
-                </a:solidFill>
-                <a:latin typeface="Calibri"/>
-              </a:rPr>
-              <a:t>r</a:t>
-            </a:r>
-            <a:r>
-              <a:rPr b="1" lang="en-US" sz="4000" spc="-1" strike="noStrike">
-                <a:solidFill>
-                  <a:srgbClr val="ffff00"/>
-                </a:solidFill>
-                <a:latin typeface="Calibri"/>
-              </a:rPr>
-              <a:t>e</a:t>
-            </a:r>
-            <a:endParaRPr b="0" lang="en-US" sz="4000" spc="-1" strike="noStrike">
+              <a:t>005.2 Query Presentation Support</a:t>
+            </a:r>
+            <a:endParaRPr b="0" lang="en-US" sz="3600" spc="-1" strike="noStrike">
               <a:latin typeface="Arial"/>
             </a:endParaRPr>
           </a:p>
@@ -6626,7 +5758,7 @@
       </p:sp>
       <p:pic>
         <p:nvPicPr>
-          <p:cNvPr id="63" name="Picture 4" descr="Image result for google vulkan logo"/>
+          <p:cNvPr id="69" name="Picture 3" descr="Image result for google vulkan logo"/>
           <p:cNvPicPr/>
           <p:nvPr/>
         </p:nvPicPr>
@@ -6637,7 +5769,7 @@
         <p:spPr>
           <a:xfrm>
             <a:off x="3564000" y="3707280"/>
-            <a:ext cx="1608840" cy="847800"/>
+            <a:ext cx="1608120" cy="847080"/>
           </a:xfrm>
           <a:prstGeom prst="rect">
             <a:avLst/>
@@ -6661,7 +5793,7 @@
         <p:txBody>
           <a:bodyPr/>
           <a:p>
-            <a:fld id="{0B3356D0-947E-464D-9EFE-4C99E2CE3283}" type="slidenum">
+            <a:fld id="{54A34558-22A3-43EA-9404-0624F9585453}" type="slidenum">
               <a:t>7</a:t>
             </a:fld>
           </a:p>
@@ -6681,9 +5813,9 @@
         <p:txBody>
           <a:bodyPr/>
           <a:p>
-            <a:fld id="{11672E26-69CC-41D3-B906-5F83A1200176}" type="datetime1">
+            <a:fld id="{11E38E5E-F455-427B-AF2A-18487A6B7441}" type="datetime1">
               <a:rPr lang="en-US"/>
-              <a:t>12/10/2022</a:t>
+              <a:t>12/11/2022</a:t>
             </a:fld>
           </a:p>
         </p:txBody>
@@ -6720,7 +5852,7 @@
       </p:grpSpPr>
       <p:pic>
         <p:nvPicPr>
-          <p:cNvPr id="64" name="" descr=""/>
+          <p:cNvPr id="70" name="" descr=""/>
           <p:cNvPicPr/>
           <p:nvPr/>
         </p:nvPicPr>
@@ -6730,8 +5862,8 @@
         </p:blipFill>
         <p:spPr>
           <a:xfrm>
-            <a:off x="2880720" y="2039400"/>
-            <a:ext cx="5806080" cy="4590000"/>
+            <a:off x="228960" y="2286000"/>
+            <a:ext cx="9143640" cy="3713760"/>
           </a:xfrm>
           <a:prstGeom prst="rect">
             <a:avLst/>
@@ -6743,7 +5875,7 @@
       </p:pic>
       <p:sp>
         <p:nvSpPr>
-          <p:cNvPr id="65" name="PlaceHolder 1"/>
+          <p:cNvPr id="71" name="PlaceHolder 1"/>
           <p:cNvSpPr>
             <a:spLocks noGrp="1"/>
           </p:cNvSpPr>
@@ -6754,7 +5886,7 @@
         <p:spPr>
           <a:xfrm>
             <a:off x="0" y="2520"/>
-            <a:ext cx="9138960" cy="759600"/>
+            <a:ext cx="9138240" cy="758880"/>
           </a:xfrm>
           <a:prstGeom prst="rect">
             <a:avLst/>
@@ -6776,7 +5908,7 @@
         </p:spPr>
         <p:txBody>
           <a:bodyPr lIns="0" rIns="0" tIns="0" bIns="0" anchor="ctr">
-            <a:normAutofit/>
+            <a:normAutofit fontScale="78000"/>
           </a:bodyPr>
           <a:p>
             <a:pPr>
@@ -6792,7 +5924,7 @@
                 </a:solidFill>
                 <a:latin typeface="Calibri"/>
               </a:rPr>
-              <a:t>004.3 Specify Device Feature</a:t>
+              <a:t>005.2 Query Presentation Support</a:t>
             </a:r>
             <a:endParaRPr b="0" lang="en-US" sz="4000" spc="-1" strike="noStrike">
               <a:latin typeface="Arial"/>
@@ -6802,7 +5934,7 @@
       </p:sp>
       <p:sp>
         <p:nvSpPr>
-          <p:cNvPr id="66" name="PlaceHolder 2"/>
+          <p:cNvPr id="72" name="PlaceHolder 2"/>
           <p:cNvSpPr>
             <a:spLocks noGrp="1"/>
           </p:cNvSpPr>
@@ -6813,12 +5945,14 @@
         <p:spPr>
           <a:xfrm>
             <a:off x="467640" y="1371600"/>
-            <a:ext cx="8217360" cy="667800"/>
-          </a:xfrm>
-          <a:prstGeom prst="rect">
-            <a:avLst/>
-          </a:prstGeom>
-          <a:noFill/>
+            <a:ext cx="8216640" cy="685800"/>
+          </a:xfrm>
+          <a:prstGeom prst="rect">
+            <a:avLst/>
+          </a:prstGeom>
+          <a:solidFill>
+            <a:srgbClr val="ffffff"/>
+          </a:solidFill>
           <a:ln w="25560">
             <a:solidFill>
               <a:srgbClr val="c00000"/>
@@ -6852,24 +5986,52 @@
                 </a:solidFill>
                 <a:latin typeface="Calibri"/>
               </a:rPr>
-              <a:t>Specify Device Feature</a:t>
+              <a:t>Query Presentation Support</a:t>
             </a:r>
             <a:endParaRPr b="0" lang="en-US" sz="1800" spc="-1" strike="noStrike">
               <a:latin typeface="Arial"/>
             </a:endParaRPr>
           </a:p>
-        </p:txBody>
-      </p:sp>
-      <p:sp>
-        <p:nvSpPr>
-          <p:cNvPr id="67" name="標題 2"/>
+          <a:p>
+            <a:pPr marL="343080" indent="-343080">
+              <a:lnSpc>
+                <a:spcPct val="100000"/>
+              </a:lnSpc>
+              <a:spcBef>
+                <a:spcPts val="360"/>
+              </a:spcBef>
+              <a:buClr>
+                <a:srgbClr val="0070c0"/>
+              </a:buClr>
+              <a:buSzPct val="80000"/>
+              <a:buFont typeface="Wingdings" charset="2"/>
+              <a:buChar char=""/>
+            </a:pPr>
+            <a:r>
+              <a:rPr b="0" lang="en-US" sz="1800" spc="-1" strike="noStrike">
+                <a:solidFill>
+                  <a:srgbClr val="2d2d2d"/>
+                </a:solidFill>
+                <a:latin typeface="Calibri"/>
+              </a:rPr>
+              <a:t>Every device in the system need to support the display. </a:t>
+            </a:r>
+            <a:endParaRPr b="0" lang="en-US" sz="1800" spc="-1" strike="noStrike">
+              <a:latin typeface="Arial"/>
+            </a:endParaRPr>
+          </a:p>
+        </p:txBody>
+      </p:sp>
+      <p:sp>
+        <p:nvSpPr>
+          <p:cNvPr id="73" name="標題 3"/>
           <p:cNvSpPr/>
           <p:nvPr/>
         </p:nvSpPr>
         <p:spPr>
           <a:xfrm>
             <a:off x="0" y="764640"/>
-            <a:ext cx="9138960" cy="354960"/>
+            <a:ext cx="9138240" cy="354240"/>
           </a:xfrm>
           <a:prstGeom prst="rect">
             <a:avLst/>
@@ -6897,7 +6059,7 @@
         </p:style>
         <p:txBody>
           <a:bodyPr lIns="90000" rIns="90000" tIns="45000" bIns="45000" anchor="ctr">
-            <a:normAutofit fontScale="81000"/>
+            <a:normAutofit fontScale="96000"/>
           </a:bodyPr>
           <a:p>
             <a:pPr>
@@ -6914,7 +6076,7 @@
                 <a:latin typeface="Calibri"/>
                 <a:ea typeface="DejaVu Sans"/>
               </a:rPr>
-              <a:t>https://vulkan-tutorial.com/Drawing_a_triangle/Setup/Physical_devices_and_queue_families</a:t>
+              <a:t>https://vulkan-tutorial.com/Drawing_a_triangle/Presentation/Window_surface</a:t>
             </a:r>
             <a:endParaRPr b="0" lang="en-US" sz="1800" spc="-1" strike="noStrike">
               <a:latin typeface="Arial"/>
@@ -6924,14 +6086,14 @@
       </p:sp>
       <p:sp>
         <p:nvSpPr>
-          <p:cNvPr id="68" name=""/>
+          <p:cNvPr id="74" name=""/>
           <p:cNvSpPr/>
           <p:nvPr/>
         </p:nvSpPr>
         <p:spPr>
           <a:xfrm>
-            <a:off x="3657600" y="3480840"/>
-            <a:ext cx="4114800" cy="405360"/>
+            <a:off x="914400" y="4114800"/>
+            <a:ext cx="6172200" cy="1371600"/>
           </a:xfrm>
           <a:prstGeom prst="rect">
             <a:avLst/>
@@ -6964,7 +6126,7 @@
         <p:txBody>
           <a:bodyPr/>
           <a:p>
-            <a:fld id="{195FC936-7B9E-4FC3-ADB6-BE170F1CD63A}" type="slidenum">
+            <a:fld id="{A8A84BB1-64F8-4CD6-B792-AB4A5F211DDD}" type="slidenum">
               <a:t>8</a:t>
             </a:fld>
           </a:p>
@@ -6984,9 +6146,9 @@
         <p:txBody>
           <a:bodyPr/>
           <a:p>
-            <a:fld id="{50BFE668-6174-4669-9F3F-053FD4D32F62}" type="datetime1">
+            <a:fld id="{2B94A312-5D37-402B-9692-08EF7E5186BB}" type="datetime1">
               <a:rPr lang="en-US"/>
-              <a:t>12/10/2022</a:t>
+              <a:t>12/11/2022</a:t>
             </a:fld>
           </a:p>
         </p:txBody>
@@ -7021,60 +6183,9 @@
           <a:chExt cx="0" cy="0"/>
         </a:xfrm>
       </p:grpSpPr>
-      <p:sp>
-        <p:nvSpPr>
-          <p:cNvPr id="69" name="PlaceHolder 1"/>
-          <p:cNvSpPr>
-            <a:spLocks noGrp="1"/>
-          </p:cNvSpPr>
-          <p:nvPr>
-            <p:ph type="title"/>
-          </p:nvPr>
-        </p:nvSpPr>
-        <p:spPr>
-          <a:xfrm>
-            <a:off x="0" y="2130480"/>
-            <a:ext cx="9138960" cy="1464840"/>
-          </a:xfrm>
-          <a:prstGeom prst="rect">
-            <a:avLst/>
-          </a:prstGeom>
-          <a:solidFill>
-            <a:srgbClr val="00b0f0"/>
-          </a:solidFill>
-          <a:ln w="0">
-            <a:noFill/>
-          </a:ln>
-        </p:spPr>
-        <p:txBody>
-          <a:bodyPr lIns="0" rIns="0" tIns="0" bIns="0" anchor="ctr">
-            <a:normAutofit/>
-          </a:bodyPr>
-          <a:p>
-            <a:pPr algn="ctr">
-              <a:lnSpc>
-                <a:spcPct val="100000"/>
-              </a:lnSpc>
-              <a:buNone/>
-            </a:pPr>
-            <a:r>
-              <a:rPr b="1" lang="en-US" sz="4000" spc="-1" strike="noStrike">
-                <a:solidFill>
-                  <a:srgbClr val="ffff00"/>
-                </a:solidFill>
-                <a:latin typeface="Calibri"/>
-              </a:rPr>
-              <a:t>004.4 Create Logical Device</a:t>
-            </a:r>
-            <a:endParaRPr b="0" lang="en-US" sz="4000" spc="-1" strike="noStrike">
-              <a:latin typeface="Arial"/>
-            </a:endParaRPr>
-          </a:p>
-        </p:txBody>
-      </p:sp>
       <p:pic>
         <p:nvPicPr>
-          <p:cNvPr id="70" name="Picture 5" descr="Image result for google vulkan logo"/>
+          <p:cNvPr id="75" name="" descr=""/>
           <p:cNvPicPr/>
           <p:nvPr/>
         </p:nvPicPr>
@@ -7084,8 +6195,8 @@
         </p:blipFill>
         <p:spPr>
           <a:xfrm>
-            <a:off x="3564000" y="3707280"/>
-            <a:ext cx="1608840" cy="847800"/>
+            <a:off x="1108080" y="2154240"/>
+            <a:ext cx="6435720" cy="4464000"/>
           </a:xfrm>
           <a:prstGeom prst="rect">
             <a:avLst/>
@@ -7097,7 +6208,246 @@
       </p:pic>
       <p:sp>
         <p:nvSpPr>
-          <p:cNvPr id="3" name="PlaceHolder 2"/>
+          <p:cNvPr id="76" name="PlaceHolder 1"/>
+          <p:cNvSpPr>
+            <a:spLocks noGrp="1"/>
+          </p:cNvSpPr>
+          <p:nvPr>
+            <p:ph type="title"/>
+          </p:nvPr>
+        </p:nvSpPr>
+        <p:spPr>
+          <a:xfrm>
+            <a:off x="0" y="2520"/>
+            <a:ext cx="9138240" cy="758880"/>
+          </a:xfrm>
+          <a:prstGeom prst="rect">
+            <a:avLst/>
+          </a:prstGeom>
+          <a:gradFill rotWithShape="0">
+            <a:gsLst>
+              <a:gs pos="0">
+                <a:srgbClr val="bf0000"/>
+              </a:gs>
+              <a:gs pos="100000">
+                <a:srgbClr val="710000"/>
+              </a:gs>
+            </a:gsLst>
+            <a:lin ang="8100000"/>
+          </a:gradFill>
+          <a:ln w="0">
+            <a:noFill/>
+          </a:ln>
+        </p:spPr>
+        <p:txBody>
+          <a:bodyPr lIns="0" rIns="0" tIns="0" bIns="0" anchor="ctr">
+            <a:normAutofit fontScale="78000"/>
+          </a:bodyPr>
+          <a:p>
+            <a:pPr>
+              <a:lnSpc>
+                <a:spcPct val="100000"/>
+              </a:lnSpc>
+              <a:buNone/>
+            </a:pPr>
+            <a:r>
+              <a:rPr b="1" lang="en-US" sz="4000" spc="-1" strike="noStrike">
+                <a:solidFill>
+                  <a:srgbClr val="ffff00"/>
+                </a:solidFill>
+                <a:latin typeface="Calibri"/>
+              </a:rPr>
+              <a:t>005.2 Query Presentation Support</a:t>
+            </a:r>
+            <a:endParaRPr b="0" lang="en-US" sz="4000" spc="-1" strike="noStrike">
+              <a:latin typeface="Arial"/>
+            </a:endParaRPr>
+          </a:p>
+        </p:txBody>
+      </p:sp>
+      <p:sp>
+        <p:nvSpPr>
+          <p:cNvPr id="77" name="PlaceHolder 2"/>
+          <p:cNvSpPr>
+            <a:spLocks noGrp="1"/>
+          </p:cNvSpPr>
+          <p:nvPr>
+            <p:ph type="subTitle"/>
+          </p:nvPr>
+        </p:nvSpPr>
+        <p:spPr>
+          <a:xfrm>
+            <a:off x="467640" y="1371600"/>
+            <a:ext cx="8216640" cy="685800"/>
+          </a:xfrm>
+          <a:prstGeom prst="rect">
+            <a:avLst/>
+          </a:prstGeom>
+          <a:solidFill>
+            <a:srgbClr val="ffffff"/>
+          </a:solidFill>
+          <a:ln w="25560">
+            <a:solidFill>
+              <a:srgbClr val="c00000"/>
+            </a:solidFill>
+            <a:round/>
+          </a:ln>
+        </p:spPr>
+        <p:txBody>
+          <a:bodyPr lIns="0" rIns="0" tIns="0" bIns="0" anchor="t">
+            <a:noAutofit/>
+          </a:bodyPr>
+          <a:p>
+            <a:pPr marL="343080" indent="-343080">
+              <a:lnSpc>
+                <a:spcPct val="100000"/>
+              </a:lnSpc>
+              <a:spcBef>
+                <a:spcPts val="360"/>
+              </a:spcBef>
+              <a:buClr>
+                <a:srgbClr val="0070c0"/>
+              </a:buClr>
+              <a:buSzPct val="80000"/>
+              <a:buFont typeface="Wingdings" charset="2"/>
+              <a:buChar char=""/>
+            </a:pPr>
+            <a:r>
+              <a:rPr b="1" lang="en-US" sz="1800" spc="-1" strike="noStrike">
+                <a:solidFill>
+                  <a:srgbClr val="2d2d2d"/>
+                </a:solidFill>
+                <a:latin typeface="Calibri"/>
+              </a:rPr>
+              <a:t>Query Presentation Support</a:t>
+            </a:r>
+            <a:endParaRPr b="0" lang="en-US" sz="1800" spc="-1" strike="noStrike">
+              <a:latin typeface="Arial"/>
+            </a:endParaRPr>
+          </a:p>
+          <a:p>
+            <a:pPr marL="343080" indent="-343080">
+              <a:lnSpc>
+                <a:spcPct val="100000"/>
+              </a:lnSpc>
+              <a:spcBef>
+                <a:spcPts val="360"/>
+              </a:spcBef>
+              <a:buClr>
+                <a:srgbClr val="0070c0"/>
+              </a:buClr>
+              <a:buSzPct val="80000"/>
+              <a:buFont typeface="Wingdings" charset="2"/>
+              <a:buChar char=""/>
+            </a:pPr>
+            <a:r>
+              <a:rPr b="0" lang="en-US" sz="1800" spc="-1" strike="noStrike">
+                <a:solidFill>
+                  <a:srgbClr val="2d2d2d"/>
+                </a:solidFill>
+                <a:latin typeface="Calibri"/>
+              </a:rPr>
+              <a:t>Get device surface support.</a:t>
+            </a:r>
+            <a:endParaRPr b="0" lang="en-US" sz="1800" spc="-1" strike="noStrike">
+              <a:latin typeface="Arial"/>
+            </a:endParaRPr>
+          </a:p>
+        </p:txBody>
+      </p:sp>
+      <p:sp>
+        <p:nvSpPr>
+          <p:cNvPr id="78" name="標題 4"/>
+          <p:cNvSpPr/>
+          <p:nvPr/>
+        </p:nvSpPr>
+        <p:spPr>
+          <a:xfrm>
+            <a:off x="0" y="764640"/>
+            <a:ext cx="9138240" cy="354240"/>
+          </a:xfrm>
+          <a:prstGeom prst="rect">
+            <a:avLst/>
+          </a:prstGeom>
+          <a:gradFill rotWithShape="0">
+            <a:gsLst>
+              <a:gs pos="0">
+                <a:srgbClr val="00afef"/>
+              </a:gs>
+              <a:gs pos="100000">
+                <a:srgbClr val="00688e"/>
+              </a:gs>
+            </a:gsLst>
+            <a:lin ang="8100000"/>
+          </a:gradFill>
+          <a:ln w="0">
+            <a:noFill/>
+          </a:ln>
+        </p:spPr>
+        <p:style>
+          <a:lnRef idx="0"/>
+          <a:fillRef idx="0"/>
+          <a:effectRef idx="0"/>
+          <a:fontRef idx="minor"/>
+        </p:style>
+        <p:txBody>
+          <a:bodyPr lIns="90000" rIns="90000" tIns="45000" bIns="45000" anchor="ctr">
+            <a:normAutofit fontScale="96000"/>
+          </a:bodyPr>
+          <a:p>
+            <a:pPr>
+              <a:lnSpc>
+                <a:spcPct val="100000"/>
+              </a:lnSpc>
+              <a:buNone/>
+            </a:pPr>
+            <a:r>
+              <a:rPr b="0" lang="en-US" sz="1800" spc="-1" strike="noStrike">
+                <a:solidFill>
+                  <a:srgbClr val="000000"/>
+                </a:solidFill>
+                <a:latin typeface="Calibri"/>
+                <a:ea typeface="DejaVu Sans"/>
+              </a:rPr>
+              <a:t>https://vulkan-tutorial.com/Drawing_a_triangle/Presentation/Window_surface</a:t>
+            </a:r>
+            <a:endParaRPr b="0" lang="en-US" sz="1800" spc="-1" strike="noStrike">
+              <a:latin typeface="Arial"/>
+            </a:endParaRPr>
+          </a:p>
+        </p:txBody>
+      </p:sp>
+      <p:sp>
+        <p:nvSpPr>
+          <p:cNvPr id="79" name=""/>
+          <p:cNvSpPr/>
+          <p:nvPr/>
+        </p:nvSpPr>
+        <p:spPr>
+          <a:xfrm>
+            <a:off x="2286000" y="4572000"/>
+            <a:ext cx="4572000" cy="685800"/>
+          </a:xfrm>
+          <a:prstGeom prst="rect">
+            <a:avLst/>
+          </a:prstGeom>
+          <a:noFill/>
+          <a:ln w="0">
+            <a:solidFill>
+              <a:srgbClr val="bf0041"/>
+            </a:solidFill>
+          </a:ln>
+        </p:spPr>
+        <p:style>
+          <a:lnRef idx="0"/>
+          <a:fillRef idx="0"/>
+          <a:effectRef idx="0"/>
+          <a:fontRef idx="minor"/>
+        </p:style>
+      </p:sp>
+      <p:sp>
+        <p:nvSpPr>
+          <p:cNvPr id="4" name="PlaceHolder 3"/>
           <p:cNvSpPr>
             <a:spLocks noGrp="1"/>
           </p:cNvSpPr>
@@ -7109,7 +6459,7 @@
         <p:txBody>
           <a:bodyPr/>
           <a:p>
-            <a:fld id="{FEEC5237-D0B9-4098-BB86-AC2D0A43343D}" type="slidenum">
+            <a:fld id="{0D99D87C-E649-4D7E-A782-9CDBEEE2BE70}" type="slidenum">
               <a:t>9</a:t>
             </a:fld>
           </a:p>
@@ -7117,7 +6467,7 @@
       </p:sp>
       <p:sp>
         <p:nvSpPr>
-          <p:cNvPr id="4" name="PlaceHolder 3"/>
+          <p:cNvPr id="5" name="PlaceHolder 4"/>
           <p:cNvSpPr>
             <a:spLocks noGrp="1"/>
           </p:cNvSpPr>
@@ -7129,9 +6479,9 @@
         <p:txBody>
           <a:bodyPr/>
           <a:p>
-            <a:fld id="{0E1BFCFB-28D2-4D3D-9CDF-21E1C766AF01}" type="datetime1">
+            <a:fld id="{5AE35917-6B9D-4C75-9AC8-02D0E0FFB911}" type="datetime1">
               <a:rPr lang="en-US"/>
-              <a:t>12/10/2022</a:t>
+              <a:t>12/11/2022</a:t>
             </a:fld>
           </a:p>
         </p:txBody>
